--- a/Indicater Placement Reports/Indicater Presentation.pptx
+++ b/Indicater Placement Reports/Indicater Presentation.pptx
@@ -6,6 +6,12 @@
   </p:sldMasterIdLst>
   <p:sldIdLst>
     <p:sldId id="256" r:id="rId2"/>
+    <p:sldId id="261" r:id="rId3"/>
+    <p:sldId id="257" r:id="rId4"/>
+    <p:sldId id="262" r:id="rId5"/>
+    <p:sldId id="265" r:id="rId6"/>
+    <p:sldId id="263" r:id="rId7"/>
+    <p:sldId id="264" r:id="rId8"/>
   </p:sldIdLst>
   <p:sldSz cx="12192000" cy="6858000"/>
   <p:notesSz cx="6858000" cy="9144000"/>
@@ -2976,7 +2982,7 @@
         </p:nvSpPr>
         <p:spPr>
           <a:xfrm>
-            <a:off x="1524000" y="941696"/>
+            <a:off x="1280720" y="1914819"/>
             <a:ext cx="9476096" cy="2568267"/>
           </a:xfrm>
         </p:spPr>
@@ -2985,41 +2991,13 @@
           <a:lstStyle/>
           <a:p>
             <a:r>
-              <a:rPr lang="en-GB" dirty="0" err="1" smtClean="0"/>
-              <a:t>Indicater</a:t>
-            </a:r>
-            <a:r>
-              <a:rPr lang="en-GB" smtClean="0"/>
-              <a:t> Placement </a:t>
-            </a:r>
-            <a:r>
               <a:rPr lang="en-GB" dirty="0" smtClean="0"/>
-              <a:t>Presentation</a:t>
-            </a:r>
-            <a:endParaRPr lang="en-GB" dirty="0"/>
-          </a:p>
-        </p:txBody>
-      </p:sp>
-      <p:sp>
-        <p:nvSpPr>
-          <p:cNvPr id="3" name="Subtitle 2"/>
-          <p:cNvSpPr>
-            <a:spLocks noGrp="1"/>
-          </p:cNvSpPr>
-          <p:nvPr>
-            <p:ph type="subTitle" idx="1"/>
-          </p:nvPr>
-        </p:nvSpPr>
-        <p:spPr>
-          <a:xfrm>
-            <a:off x="1524000" y="3602038"/>
-            <a:ext cx="9476096" cy="1898010"/>
-          </a:xfrm>
-        </p:spPr>
-        <p:txBody>
-          <a:bodyPr/>
-          <a:lstStyle/>
-          <a:p>
+              <a:t>Indicater Placement </a:t>
+            </a:r>
+            <a:r>
+              <a:rPr lang="en-GB" dirty="0" smtClean="0"/>
+              <a:t>Presentation 2014-15</a:t>
+            </a:r>
             <a:endParaRPr lang="en-GB" dirty="0"/>
           </a:p>
         </p:txBody>
@@ -3045,8 +3023,8 @@
         </p:blipFill>
         <p:spPr bwMode="auto">
           <a:xfrm>
-            <a:off x="3010003" y="1122363"/>
-            <a:ext cx="5724563" cy="1307057"/>
+            <a:off x="8330269" y="578842"/>
+            <a:ext cx="3405930" cy="1283514"/>
           </a:xfrm>
           <a:prstGeom prst="rect">
             <a:avLst/>
@@ -3057,10 +3035,2321 @@
           </a:ln>
         </p:spPr>
       </p:pic>
+      <p:sp>
+        <p:nvSpPr>
+          <p:cNvPr id="5" name="Rectangle 4"/>
+          <p:cNvSpPr/>
+          <p:nvPr/>
+        </p:nvSpPr>
+        <p:spPr>
+          <a:xfrm>
+            <a:off x="704675" y="578842"/>
+            <a:ext cx="11031523" cy="133350"/>
+          </a:xfrm>
+          <a:prstGeom prst="rect">
+            <a:avLst/>
+          </a:prstGeom>
+          <a:solidFill>
+            <a:srgbClr val="751F28"/>
+          </a:solidFill>
+          <a:ln>
+            <a:solidFill>
+              <a:srgbClr val="751F28"/>
+            </a:solidFill>
+          </a:ln>
+        </p:spPr>
+        <p:style>
+          <a:lnRef idx="2">
+            <a:schemeClr val="accent1">
+              <a:shade val="50000"/>
+            </a:schemeClr>
+          </a:lnRef>
+          <a:fillRef idx="1">
+            <a:schemeClr val="accent1"/>
+          </a:fillRef>
+          <a:effectRef idx="0">
+            <a:schemeClr val="accent1"/>
+          </a:effectRef>
+          <a:fontRef idx="minor">
+            <a:schemeClr val="lt1"/>
+          </a:fontRef>
+        </p:style>
+        <p:txBody>
+          <a:bodyPr rot="0" spcFirstLastPara="0" vert="horz" wrap="square" lIns="91440" tIns="45720" rIns="91440" bIns="45720" numCol="1" spcCol="0" rtlCol="0" fromWordArt="0" anchor="ctr" anchorCtr="0" forceAA="0" compatLnSpc="1">
+            <a:prstTxWarp prst="textNoShape">
+              <a:avLst/>
+            </a:prstTxWarp>
+            <a:noAutofit/>
+          </a:bodyPr>
+          <a:lstStyle/>
+          <a:p>
+            <a:endParaRPr lang="en-GB"/>
+          </a:p>
+        </p:txBody>
+      </p:sp>
+      <p:sp>
+        <p:nvSpPr>
+          <p:cNvPr id="6" name="Rectangle 5"/>
+          <p:cNvSpPr/>
+          <p:nvPr/>
+        </p:nvSpPr>
+        <p:spPr>
+          <a:xfrm>
+            <a:off x="704674" y="6041473"/>
+            <a:ext cx="11031523" cy="133350"/>
+          </a:xfrm>
+          <a:prstGeom prst="rect">
+            <a:avLst/>
+          </a:prstGeom>
+          <a:solidFill>
+            <a:srgbClr val="751F28"/>
+          </a:solidFill>
+          <a:ln>
+            <a:solidFill>
+              <a:srgbClr val="751F28"/>
+            </a:solidFill>
+          </a:ln>
+        </p:spPr>
+        <p:style>
+          <a:lnRef idx="2">
+            <a:schemeClr val="accent1">
+              <a:shade val="50000"/>
+            </a:schemeClr>
+          </a:lnRef>
+          <a:fillRef idx="1">
+            <a:schemeClr val="accent1"/>
+          </a:fillRef>
+          <a:effectRef idx="0">
+            <a:schemeClr val="accent1"/>
+          </a:effectRef>
+          <a:fontRef idx="minor">
+            <a:schemeClr val="lt1"/>
+          </a:fontRef>
+        </p:style>
+        <p:txBody>
+          <a:bodyPr rot="0" spcFirstLastPara="0" vert="horz" wrap="square" lIns="91440" tIns="45720" rIns="91440" bIns="45720" numCol="1" spcCol="0" rtlCol="0" fromWordArt="0" anchor="ctr" anchorCtr="0" forceAA="0" compatLnSpc="1">
+            <a:prstTxWarp prst="textNoShape">
+              <a:avLst/>
+            </a:prstTxWarp>
+            <a:noAutofit/>
+          </a:bodyPr>
+          <a:lstStyle/>
+          <a:p>
+            <a:endParaRPr lang="en-GB"/>
+          </a:p>
+        </p:txBody>
+      </p:sp>
     </p:spTree>
     <p:extLst>
       <p:ext uri="{BB962C8B-B14F-4D97-AF65-F5344CB8AC3E}">
         <p14:creationId xmlns:p14="http://schemas.microsoft.com/office/powerpoint/2010/main" val="3843523827"/>
+      </p:ext>
+    </p:extLst>
+  </p:cSld>
+  <p:clrMapOvr>
+    <a:masterClrMapping/>
+  </p:clrMapOvr>
+</p:sld>
+</file>
+
+<file path=ppt/slides/slide2.xml><?xml version="1.0" encoding="utf-8"?>
+<p:sld xmlns:a="http://schemas.openxmlformats.org/drawingml/2006/main" xmlns:r="http://schemas.openxmlformats.org/officeDocument/2006/relationships" xmlns:p="http://schemas.openxmlformats.org/presentationml/2006/main">
+  <p:cSld>
+    <p:spTree>
+      <p:nvGrpSpPr>
+        <p:cNvPr id="1" name=""/>
+        <p:cNvGrpSpPr/>
+        <p:nvPr/>
+      </p:nvGrpSpPr>
+      <p:grpSpPr>
+        <a:xfrm>
+          <a:off x="0" y="0"/>
+          <a:ext cx="0" cy="0"/>
+          <a:chOff x="0" y="0"/>
+          <a:chExt cx="0" cy="0"/>
+        </a:xfrm>
+      </p:grpSpPr>
+      <p:sp>
+        <p:nvSpPr>
+          <p:cNvPr id="2" name="Title 1"/>
+          <p:cNvSpPr>
+            <a:spLocks noGrp="1"/>
+          </p:cNvSpPr>
+          <p:nvPr>
+            <p:ph type="ctrTitle"/>
+          </p:nvPr>
+        </p:nvSpPr>
+        <p:spPr>
+          <a:xfrm>
+            <a:off x="2539253" y="715943"/>
+            <a:ext cx="5648585" cy="885038"/>
+          </a:xfrm>
+        </p:spPr>
+        <p:txBody>
+          <a:bodyPr>
+            <a:normAutofit/>
+          </a:bodyPr>
+          <a:lstStyle/>
+          <a:p>
+            <a:r>
+              <a:rPr lang="en-GB" sz="4800" dirty="0" smtClean="0"/>
+              <a:t>About Indicater</a:t>
+            </a:r>
+            <a:endParaRPr lang="en-GB" sz="4800" dirty="0"/>
+          </a:p>
+        </p:txBody>
+      </p:sp>
+      <p:pic>
+        <p:nvPicPr>
+          <p:cNvPr id="4" name="Picture 3"/>
+          <p:cNvPicPr/>
+          <p:nvPr/>
+        </p:nvPicPr>
+        <p:blipFill>
+          <a:blip r:embed="rId2">
+            <a:extLst>
+              <a:ext uri="{28A0092B-C50C-407E-A947-70E740481C1C}">
+                <a14:useLocalDpi xmlns:a14="http://schemas.microsoft.com/office/drawing/2010/main" val="0"/>
+              </a:ext>
+            </a:extLst>
+          </a:blip>
+          <a:srcRect/>
+          <a:stretch>
+            <a:fillRect/>
+          </a:stretch>
+        </p:blipFill>
+        <p:spPr bwMode="auto">
+          <a:xfrm>
+            <a:off x="8330267" y="445492"/>
+            <a:ext cx="3405930" cy="1283514"/>
+          </a:xfrm>
+          <a:prstGeom prst="rect">
+            <a:avLst/>
+          </a:prstGeom>
+          <a:noFill/>
+          <a:ln>
+            <a:noFill/>
+          </a:ln>
+        </p:spPr>
+      </p:pic>
+      <p:sp>
+        <p:nvSpPr>
+          <p:cNvPr id="5" name="Rectangle 4"/>
+          <p:cNvSpPr/>
+          <p:nvPr/>
+        </p:nvSpPr>
+        <p:spPr>
+          <a:xfrm>
+            <a:off x="513807" y="445492"/>
+            <a:ext cx="11222392" cy="133350"/>
+          </a:xfrm>
+          <a:prstGeom prst="rect">
+            <a:avLst/>
+          </a:prstGeom>
+          <a:solidFill>
+            <a:srgbClr val="751F28"/>
+          </a:solidFill>
+          <a:ln>
+            <a:solidFill>
+              <a:srgbClr val="751F28"/>
+            </a:solidFill>
+          </a:ln>
+        </p:spPr>
+        <p:style>
+          <a:lnRef idx="2">
+            <a:schemeClr val="accent1">
+              <a:shade val="50000"/>
+            </a:schemeClr>
+          </a:lnRef>
+          <a:fillRef idx="1">
+            <a:schemeClr val="accent1"/>
+          </a:fillRef>
+          <a:effectRef idx="0">
+            <a:schemeClr val="accent1"/>
+          </a:effectRef>
+          <a:fontRef idx="minor">
+            <a:schemeClr val="lt1"/>
+          </a:fontRef>
+        </p:style>
+        <p:txBody>
+          <a:bodyPr rot="0" spcFirstLastPara="0" vert="horz" wrap="square" lIns="91440" tIns="45720" rIns="91440" bIns="45720" numCol="1" spcCol="0" rtlCol="0" fromWordArt="0" anchor="ctr" anchorCtr="0" forceAA="0" compatLnSpc="1">
+            <a:prstTxWarp prst="textNoShape">
+              <a:avLst/>
+            </a:prstTxWarp>
+            <a:noAutofit/>
+          </a:bodyPr>
+          <a:lstStyle/>
+          <a:p>
+            <a:endParaRPr lang="en-GB"/>
+          </a:p>
+        </p:txBody>
+      </p:sp>
+      <p:sp>
+        <p:nvSpPr>
+          <p:cNvPr id="6" name="Rectangle 5"/>
+          <p:cNvSpPr/>
+          <p:nvPr/>
+        </p:nvSpPr>
+        <p:spPr>
+          <a:xfrm>
+            <a:off x="513807" y="6174823"/>
+            <a:ext cx="11222390" cy="133350"/>
+          </a:xfrm>
+          <a:prstGeom prst="rect">
+            <a:avLst/>
+          </a:prstGeom>
+          <a:solidFill>
+            <a:srgbClr val="751F28"/>
+          </a:solidFill>
+          <a:ln>
+            <a:solidFill>
+              <a:srgbClr val="751F28"/>
+            </a:solidFill>
+          </a:ln>
+        </p:spPr>
+        <p:style>
+          <a:lnRef idx="2">
+            <a:schemeClr val="accent1">
+              <a:shade val="50000"/>
+            </a:schemeClr>
+          </a:lnRef>
+          <a:fillRef idx="1">
+            <a:schemeClr val="accent1"/>
+          </a:fillRef>
+          <a:effectRef idx="0">
+            <a:schemeClr val="accent1"/>
+          </a:effectRef>
+          <a:fontRef idx="minor">
+            <a:schemeClr val="lt1"/>
+          </a:fontRef>
+        </p:style>
+        <p:txBody>
+          <a:bodyPr rot="0" spcFirstLastPara="0" vert="horz" wrap="square" lIns="91440" tIns="45720" rIns="91440" bIns="45720" numCol="1" spcCol="0" rtlCol="0" fromWordArt="0" anchor="ctr" anchorCtr="0" forceAA="0" compatLnSpc="1">
+            <a:prstTxWarp prst="textNoShape">
+              <a:avLst/>
+            </a:prstTxWarp>
+            <a:noAutofit/>
+          </a:bodyPr>
+          <a:lstStyle/>
+          <a:p>
+            <a:endParaRPr lang="en-GB"/>
+          </a:p>
+        </p:txBody>
+      </p:sp>
+      <p:sp>
+        <p:nvSpPr>
+          <p:cNvPr id="3" name="TextBox 2"/>
+          <p:cNvSpPr txBox="1"/>
+          <p:nvPr/>
+        </p:nvSpPr>
+        <p:spPr>
+          <a:xfrm>
+            <a:off x="731521" y="3964408"/>
+            <a:ext cx="6940732" cy="2031325"/>
+          </a:xfrm>
+          <a:prstGeom prst="rect">
+            <a:avLst/>
+          </a:prstGeom>
+          <a:noFill/>
+        </p:spPr>
+        <p:txBody>
+          <a:bodyPr wrap="square" rtlCol="0">
+            <a:spAutoFit/>
+          </a:bodyPr>
+          <a:lstStyle/>
+          <a:p>
+            <a:pPr marL="285750" indent="-285750">
+              <a:lnSpc>
+                <a:spcPct val="150000"/>
+              </a:lnSpc>
+              <a:buBlip>
+                <a:blip r:embed="rId3"/>
+              </a:buBlip>
+            </a:pPr>
+            <a:r>
+              <a:rPr lang="en-GB" sz="1400" dirty="0" smtClean="0"/>
+              <a:t>Based in Henley</a:t>
+            </a:r>
+          </a:p>
+          <a:p>
+            <a:pPr marL="285750" indent="-285750">
+              <a:lnSpc>
+                <a:spcPct val="150000"/>
+              </a:lnSpc>
+              <a:buBlip>
+                <a:blip r:embed="rId3"/>
+              </a:buBlip>
+            </a:pPr>
+            <a:r>
+              <a:rPr lang="en-GB" sz="1400" dirty="0" smtClean="0"/>
+              <a:t>Established in 2000 by mike day and Lou Wilcock</a:t>
+            </a:r>
+          </a:p>
+          <a:p>
+            <a:pPr marL="285750" indent="-285750">
+              <a:lnSpc>
+                <a:spcPct val="150000"/>
+              </a:lnSpc>
+              <a:buBlip>
+                <a:blip r:embed="rId3"/>
+              </a:buBlip>
+            </a:pPr>
+            <a:r>
+              <a:rPr lang="en-GB" sz="1400" dirty="0" smtClean="0"/>
+              <a:t>Delivers </a:t>
+            </a:r>
+            <a:r>
+              <a:rPr lang="en-GB" sz="1400" dirty="0"/>
+              <a:t>business management solutions for the hospitality </a:t>
+            </a:r>
+            <a:r>
+              <a:rPr lang="en-GB" sz="1400" dirty="0" smtClean="0"/>
+              <a:t>industry</a:t>
+            </a:r>
+            <a:endParaRPr lang="en-GB" sz="1400" dirty="0"/>
+          </a:p>
+          <a:p>
+            <a:pPr marL="285750" indent="-285750">
+              <a:lnSpc>
+                <a:spcPct val="150000"/>
+              </a:lnSpc>
+              <a:buBlip>
+                <a:blip r:embed="rId3"/>
+              </a:buBlip>
+            </a:pPr>
+            <a:r>
+              <a:rPr lang="en-GB" sz="1400" dirty="0" smtClean="0"/>
+              <a:t>Provides web-based back of house online management systems for business operations such as payroll, sales, patient dining, online booking</a:t>
+            </a:r>
+          </a:p>
+          <a:p>
+            <a:pPr marL="285750" indent="-285750">
+              <a:lnSpc>
+                <a:spcPct val="150000"/>
+              </a:lnSpc>
+              <a:buBlip>
+                <a:blip r:embed="rId3"/>
+              </a:buBlip>
+            </a:pPr>
+            <a:r>
+              <a:rPr lang="en-GB" sz="1400" dirty="0" smtClean="0"/>
+              <a:t>Offering over 30 modules of critical business management tools</a:t>
+            </a:r>
+          </a:p>
+        </p:txBody>
+      </p:sp>
+      <p:sp>
+        <p:nvSpPr>
+          <p:cNvPr id="7" name="TextBox 6"/>
+          <p:cNvSpPr txBox="1"/>
+          <p:nvPr/>
+        </p:nvSpPr>
+        <p:spPr>
+          <a:xfrm>
+            <a:off x="1402783" y="1598153"/>
+            <a:ext cx="1193074" cy="584775"/>
+          </a:xfrm>
+          <a:prstGeom prst="rect">
+            <a:avLst/>
+          </a:prstGeom>
+          <a:noFill/>
+        </p:spPr>
+        <p:txBody>
+          <a:bodyPr wrap="square" rtlCol="0">
+            <a:spAutoFit/>
+          </a:bodyPr>
+          <a:lstStyle/>
+          <a:p>
+            <a:pPr algn="ctr"/>
+            <a:r>
+              <a:rPr lang="en-GB" sz="2000" dirty="0" smtClean="0"/>
+              <a:t>Mike Day</a:t>
+            </a:r>
+          </a:p>
+          <a:p>
+            <a:pPr algn="ctr"/>
+            <a:r>
+              <a:rPr lang="en-GB" sz="1200" dirty="0" smtClean="0"/>
+              <a:t>CEO</a:t>
+            </a:r>
+          </a:p>
+        </p:txBody>
+      </p:sp>
+      <p:sp>
+        <p:nvSpPr>
+          <p:cNvPr id="8" name="TextBox 7"/>
+          <p:cNvSpPr txBox="1"/>
+          <p:nvPr/>
+        </p:nvSpPr>
+        <p:spPr>
+          <a:xfrm>
+            <a:off x="3071950" y="1600981"/>
+            <a:ext cx="1319347" cy="738664"/>
+          </a:xfrm>
+          <a:prstGeom prst="rect">
+            <a:avLst/>
+          </a:prstGeom>
+          <a:noFill/>
+        </p:spPr>
+        <p:txBody>
+          <a:bodyPr wrap="square" rtlCol="0">
+            <a:spAutoFit/>
+          </a:bodyPr>
+          <a:lstStyle/>
+          <a:p>
+            <a:pPr algn="ctr"/>
+            <a:r>
+              <a:rPr lang="en-GB" dirty="0" smtClean="0"/>
+              <a:t>Lou Wilcock</a:t>
+            </a:r>
+          </a:p>
+          <a:p>
+            <a:pPr algn="ctr"/>
+            <a:r>
+              <a:rPr lang="en-GB" sz="1200" dirty="0" smtClean="0"/>
+              <a:t>Founder and Director</a:t>
+            </a:r>
+            <a:endParaRPr lang="en-GB" sz="1200" dirty="0"/>
+          </a:p>
+        </p:txBody>
+      </p:sp>
+      <p:pic>
+        <p:nvPicPr>
+          <p:cNvPr id="2051" name="Picture 3" descr="C:\Users\Tommy\Desktop\Dissertation Project Materials\Uni-Work-2015\Indicater Placement Reports\Images\Mike.gif"/>
+          <p:cNvPicPr>
+            <a:picLocks noChangeAspect="1" noChangeArrowheads="1"/>
+          </p:cNvPicPr>
+          <p:nvPr/>
+        </p:nvPicPr>
+        <p:blipFill>
+          <a:blip r:embed="rId4">
+            <a:extLst>
+              <a:ext uri="{28A0092B-C50C-407E-A947-70E740481C1C}">
+                <a14:useLocalDpi xmlns:a14="http://schemas.microsoft.com/office/drawing/2010/main" val="0"/>
+              </a:ext>
+            </a:extLst>
+          </a:blip>
+          <a:srcRect/>
+          <a:stretch>
+            <a:fillRect/>
+          </a:stretch>
+        </p:blipFill>
+        <p:spPr bwMode="auto">
+          <a:xfrm>
+            <a:off x="1348357" y="2252617"/>
+            <a:ext cx="1301926" cy="1711791"/>
+          </a:xfrm>
+          <a:prstGeom prst="rect">
+            <a:avLst/>
+          </a:prstGeom>
+          <a:noFill/>
+          <a:extLst>
+            <a:ext uri="{909E8E84-426E-40DD-AFC4-6F175D3DCCD1}">
+              <a14:hiddenFill xmlns:a14="http://schemas.microsoft.com/office/drawing/2010/main">
+                <a:solidFill>
+                  <a:srgbClr val="FFFFFF"/>
+                </a:solidFill>
+              </a14:hiddenFill>
+            </a:ext>
+          </a:extLst>
+        </p:spPr>
+      </p:pic>
+      <p:pic>
+        <p:nvPicPr>
+          <p:cNvPr id="2052" name="Picture 4" descr="C:\Users\Tommy\Desktop\Dissertation Project Materials\Uni-Work-2015\Indicater Placement Reports\Images\Lou.gif"/>
+          <p:cNvPicPr>
+            <a:picLocks noChangeAspect="1" noChangeArrowheads="1"/>
+          </p:cNvPicPr>
+          <p:nvPr/>
+        </p:nvPicPr>
+        <p:blipFill>
+          <a:blip r:embed="rId5">
+            <a:extLst>
+              <a:ext uri="{28A0092B-C50C-407E-A947-70E740481C1C}">
+                <a14:useLocalDpi xmlns:a14="http://schemas.microsoft.com/office/drawing/2010/main" val="0"/>
+              </a:ext>
+            </a:extLst>
+          </a:blip>
+          <a:srcRect/>
+          <a:stretch>
+            <a:fillRect/>
+          </a:stretch>
+        </p:blipFill>
+        <p:spPr bwMode="auto">
+          <a:xfrm>
+            <a:off x="3089372" y="2354101"/>
+            <a:ext cx="1301925" cy="1711791"/>
+          </a:xfrm>
+          <a:prstGeom prst="rect">
+            <a:avLst/>
+          </a:prstGeom>
+          <a:noFill/>
+          <a:extLst>
+            <a:ext uri="{909E8E84-426E-40DD-AFC4-6F175D3DCCD1}">
+              <a14:hiddenFill xmlns:a14="http://schemas.microsoft.com/office/drawing/2010/main">
+                <a:solidFill>
+                  <a:srgbClr val="FFFFFF"/>
+                </a:solidFill>
+              </a14:hiddenFill>
+            </a:ext>
+          </a:extLst>
+        </p:spPr>
+      </p:pic>
+      <p:pic>
+        <p:nvPicPr>
+          <p:cNvPr id="2053" name="Picture 5" descr="C:\Users\Tommy\Desktop\Dissertation Project Materials\Uni-Work-2015\Indicater Placement Reports\Images\IndicaterLocation.PNG"/>
+          <p:cNvPicPr>
+            <a:picLocks noChangeAspect="1" noChangeArrowheads="1"/>
+          </p:cNvPicPr>
+          <p:nvPr/>
+        </p:nvPicPr>
+        <p:blipFill>
+          <a:blip r:embed="rId6">
+            <a:extLst>
+              <a:ext uri="{28A0092B-C50C-407E-A947-70E740481C1C}">
+                <a14:useLocalDpi xmlns:a14="http://schemas.microsoft.com/office/drawing/2010/main" val="0"/>
+              </a:ext>
+            </a:extLst>
+          </a:blip>
+          <a:srcRect/>
+          <a:stretch>
+            <a:fillRect/>
+          </a:stretch>
+        </p:blipFill>
+        <p:spPr bwMode="auto">
+          <a:xfrm>
+            <a:off x="7515980" y="2128927"/>
+            <a:ext cx="3808543" cy="2851144"/>
+          </a:xfrm>
+          <a:prstGeom prst="rect">
+            <a:avLst/>
+          </a:prstGeom>
+          <a:noFill/>
+          <a:extLst>
+            <a:ext uri="{909E8E84-426E-40DD-AFC4-6F175D3DCCD1}">
+              <a14:hiddenFill xmlns:a14="http://schemas.microsoft.com/office/drawing/2010/main">
+                <a:solidFill>
+                  <a:srgbClr val="FFFFFF"/>
+                </a:solidFill>
+              </a14:hiddenFill>
+            </a:ext>
+          </a:extLst>
+        </p:spPr>
+      </p:pic>
+    </p:spTree>
+    <p:extLst>
+      <p:ext uri="{BB962C8B-B14F-4D97-AF65-F5344CB8AC3E}">
+        <p14:creationId xmlns:p14="http://schemas.microsoft.com/office/powerpoint/2010/main" val="3065673760"/>
+      </p:ext>
+    </p:extLst>
+  </p:cSld>
+  <p:clrMapOvr>
+    <a:masterClrMapping/>
+  </p:clrMapOvr>
+</p:sld>
+</file>
+
+<file path=ppt/slides/slide3.xml><?xml version="1.0" encoding="utf-8"?>
+<p:sld xmlns:a="http://schemas.openxmlformats.org/drawingml/2006/main" xmlns:r="http://schemas.openxmlformats.org/officeDocument/2006/relationships" xmlns:p="http://schemas.openxmlformats.org/presentationml/2006/main">
+  <p:cSld>
+    <p:spTree>
+      <p:nvGrpSpPr>
+        <p:cNvPr id="1" name=""/>
+        <p:cNvGrpSpPr/>
+        <p:nvPr/>
+      </p:nvGrpSpPr>
+      <p:grpSpPr>
+        <a:xfrm>
+          <a:off x="0" y="0"/>
+          <a:ext cx="0" cy="0"/>
+          <a:chOff x="0" y="0"/>
+          <a:chExt cx="0" cy="0"/>
+        </a:xfrm>
+      </p:grpSpPr>
+      <p:sp>
+        <p:nvSpPr>
+          <p:cNvPr id="2" name="Title 1"/>
+          <p:cNvSpPr>
+            <a:spLocks noGrp="1"/>
+          </p:cNvSpPr>
+          <p:nvPr>
+            <p:ph type="ctrTitle"/>
+          </p:nvPr>
+        </p:nvSpPr>
+        <p:spPr>
+          <a:xfrm>
+            <a:off x="2797756" y="730758"/>
+            <a:ext cx="5184525" cy="885038"/>
+          </a:xfrm>
+        </p:spPr>
+        <p:txBody>
+          <a:bodyPr>
+            <a:normAutofit/>
+          </a:bodyPr>
+          <a:lstStyle/>
+          <a:p>
+            <a:r>
+              <a:rPr lang="en-GB" sz="4800" dirty="0" smtClean="0"/>
+              <a:t>About Indicater</a:t>
+            </a:r>
+            <a:endParaRPr lang="en-GB" sz="4800" dirty="0"/>
+          </a:p>
+        </p:txBody>
+      </p:sp>
+      <p:pic>
+        <p:nvPicPr>
+          <p:cNvPr id="4" name="Picture 3"/>
+          <p:cNvPicPr/>
+          <p:nvPr/>
+        </p:nvPicPr>
+        <p:blipFill>
+          <a:blip r:embed="rId2">
+            <a:extLst>
+              <a:ext uri="{28A0092B-C50C-407E-A947-70E740481C1C}">
+                <a14:useLocalDpi xmlns:a14="http://schemas.microsoft.com/office/drawing/2010/main" val="0"/>
+              </a:ext>
+            </a:extLst>
+          </a:blip>
+          <a:srcRect/>
+          <a:stretch>
+            <a:fillRect/>
+          </a:stretch>
+        </p:blipFill>
+        <p:spPr bwMode="auto">
+          <a:xfrm>
+            <a:off x="8330267" y="445492"/>
+            <a:ext cx="3405930" cy="1283514"/>
+          </a:xfrm>
+          <a:prstGeom prst="rect">
+            <a:avLst/>
+          </a:prstGeom>
+          <a:noFill/>
+          <a:ln>
+            <a:noFill/>
+          </a:ln>
+        </p:spPr>
+      </p:pic>
+      <p:sp>
+        <p:nvSpPr>
+          <p:cNvPr id="5" name="Rectangle 4"/>
+          <p:cNvSpPr/>
+          <p:nvPr/>
+        </p:nvSpPr>
+        <p:spPr>
+          <a:xfrm>
+            <a:off x="513807" y="445492"/>
+            <a:ext cx="11222392" cy="133350"/>
+          </a:xfrm>
+          <a:prstGeom prst="rect">
+            <a:avLst/>
+          </a:prstGeom>
+          <a:solidFill>
+            <a:srgbClr val="751F28"/>
+          </a:solidFill>
+          <a:ln>
+            <a:solidFill>
+              <a:srgbClr val="751F28"/>
+            </a:solidFill>
+          </a:ln>
+        </p:spPr>
+        <p:style>
+          <a:lnRef idx="2">
+            <a:schemeClr val="accent1">
+              <a:shade val="50000"/>
+            </a:schemeClr>
+          </a:lnRef>
+          <a:fillRef idx="1">
+            <a:schemeClr val="accent1"/>
+          </a:fillRef>
+          <a:effectRef idx="0">
+            <a:schemeClr val="accent1"/>
+          </a:effectRef>
+          <a:fontRef idx="minor">
+            <a:schemeClr val="lt1"/>
+          </a:fontRef>
+        </p:style>
+        <p:txBody>
+          <a:bodyPr rot="0" spcFirstLastPara="0" vert="horz" wrap="square" lIns="91440" tIns="45720" rIns="91440" bIns="45720" numCol="1" spcCol="0" rtlCol="0" fromWordArt="0" anchor="ctr" anchorCtr="0" forceAA="0" compatLnSpc="1">
+            <a:prstTxWarp prst="textNoShape">
+              <a:avLst/>
+            </a:prstTxWarp>
+            <a:noAutofit/>
+          </a:bodyPr>
+          <a:lstStyle/>
+          <a:p>
+            <a:endParaRPr lang="en-GB"/>
+          </a:p>
+        </p:txBody>
+      </p:sp>
+      <p:sp>
+        <p:nvSpPr>
+          <p:cNvPr id="6" name="Rectangle 5"/>
+          <p:cNvSpPr/>
+          <p:nvPr/>
+        </p:nvSpPr>
+        <p:spPr>
+          <a:xfrm>
+            <a:off x="513807" y="6174823"/>
+            <a:ext cx="11222390" cy="133350"/>
+          </a:xfrm>
+          <a:prstGeom prst="rect">
+            <a:avLst/>
+          </a:prstGeom>
+          <a:solidFill>
+            <a:srgbClr val="751F28"/>
+          </a:solidFill>
+          <a:ln>
+            <a:solidFill>
+              <a:srgbClr val="751F28"/>
+            </a:solidFill>
+          </a:ln>
+        </p:spPr>
+        <p:style>
+          <a:lnRef idx="2">
+            <a:schemeClr val="accent1">
+              <a:shade val="50000"/>
+            </a:schemeClr>
+          </a:lnRef>
+          <a:fillRef idx="1">
+            <a:schemeClr val="accent1"/>
+          </a:fillRef>
+          <a:effectRef idx="0">
+            <a:schemeClr val="accent1"/>
+          </a:effectRef>
+          <a:fontRef idx="minor">
+            <a:schemeClr val="lt1"/>
+          </a:fontRef>
+        </p:style>
+        <p:txBody>
+          <a:bodyPr rot="0" spcFirstLastPara="0" vert="horz" wrap="square" lIns="91440" tIns="45720" rIns="91440" bIns="45720" numCol="1" spcCol="0" rtlCol="0" fromWordArt="0" anchor="ctr" anchorCtr="0" forceAA="0" compatLnSpc="1">
+            <a:prstTxWarp prst="textNoShape">
+              <a:avLst/>
+            </a:prstTxWarp>
+            <a:noAutofit/>
+          </a:bodyPr>
+          <a:lstStyle/>
+          <a:p>
+            <a:endParaRPr lang="en-GB"/>
+          </a:p>
+        </p:txBody>
+      </p:sp>
+      <p:sp>
+        <p:nvSpPr>
+          <p:cNvPr id="3" name="TextBox 2"/>
+          <p:cNvSpPr txBox="1"/>
+          <p:nvPr/>
+        </p:nvSpPr>
+        <p:spPr>
+          <a:xfrm>
+            <a:off x="740231" y="2021839"/>
+            <a:ext cx="5625736" cy="738664"/>
+          </a:xfrm>
+          <a:prstGeom prst="rect">
+            <a:avLst/>
+          </a:prstGeom>
+          <a:noFill/>
+        </p:spPr>
+        <p:txBody>
+          <a:bodyPr wrap="square" rtlCol="0">
+            <a:spAutoFit/>
+          </a:bodyPr>
+          <a:lstStyle/>
+          <a:p>
+            <a:pPr marL="285750" indent="-285750">
+              <a:lnSpc>
+                <a:spcPct val="150000"/>
+              </a:lnSpc>
+              <a:buBlip>
+                <a:blip r:embed="rId3"/>
+              </a:buBlip>
+            </a:pPr>
+            <a:r>
+              <a:rPr lang="en-GB" sz="1400" dirty="0" smtClean="0"/>
+              <a:t>Providing software solutions for over 2500+ outlets</a:t>
+            </a:r>
+          </a:p>
+          <a:p>
+            <a:pPr marL="285750" indent="-285750">
+              <a:lnSpc>
+                <a:spcPct val="150000"/>
+              </a:lnSpc>
+              <a:buBlip>
+                <a:blip r:embed="rId3"/>
+              </a:buBlip>
+            </a:pPr>
+            <a:r>
+              <a:rPr lang="en-GB" sz="1400" dirty="0" smtClean="0"/>
+              <a:t>Good business relations in hospitality industry</a:t>
+            </a:r>
+          </a:p>
+        </p:txBody>
+      </p:sp>
+      <p:sp>
+        <p:nvSpPr>
+          <p:cNvPr id="7" name="TextBox 6"/>
+          <p:cNvSpPr txBox="1"/>
+          <p:nvPr/>
+        </p:nvSpPr>
+        <p:spPr>
+          <a:xfrm>
+            <a:off x="8902726" y="2055636"/>
+            <a:ext cx="940525" cy="400110"/>
+          </a:xfrm>
+          <a:prstGeom prst="rect">
+            <a:avLst/>
+          </a:prstGeom>
+          <a:noFill/>
+        </p:spPr>
+        <p:txBody>
+          <a:bodyPr wrap="square" rtlCol="0">
+            <a:spAutoFit/>
+          </a:bodyPr>
+          <a:lstStyle/>
+          <a:p>
+            <a:r>
+              <a:rPr lang="en-GB" sz="2000" dirty="0" smtClean="0"/>
+              <a:t>Clients</a:t>
+            </a:r>
+          </a:p>
+        </p:txBody>
+      </p:sp>
+      <p:sp>
+        <p:nvSpPr>
+          <p:cNvPr id="8" name="TextBox 7"/>
+          <p:cNvSpPr txBox="1"/>
+          <p:nvPr/>
+        </p:nvSpPr>
+        <p:spPr>
+          <a:xfrm>
+            <a:off x="2609524" y="2972494"/>
+            <a:ext cx="1123406" cy="369332"/>
+          </a:xfrm>
+          <a:prstGeom prst="rect">
+            <a:avLst/>
+          </a:prstGeom>
+          <a:noFill/>
+        </p:spPr>
+        <p:txBody>
+          <a:bodyPr wrap="square" rtlCol="0">
+            <a:spAutoFit/>
+          </a:bodyPr>
+          <a:lstStyle/>
+          <a:p>
+            <a:r>
+              <a:rPr lang="en-GB" dirty="0" smtClean="0"/>
+              <a:t>Partners</a:t>
+            </a:r>
+            <a:endParaRPr lang="en-GB" dirty="0"/>
+          </a:p>
+        </p:txBody>
+      </p:sp>
+      <p:pic>
+        <p:nvPicPr>
+          <p:cNvPr id="1026" name="Picture 2" descr="C:\Users\Tommy\Desktop\Dissertation Project Materials\Uni-Work-2015\Indicater Placement Reports\Images\G4SClient.jpg"/>
+          <p:cNvPicPr>
+            <a:picLocks noChangeAspect="1" noChangeArrowheads="1"/>
+          </p:cNvPicPr>
+          <p:nvPr/>
+        </p:nvPicPr>
+        <p:blipFill>
+          <a:blip r:embed="rId4">
+            <a:extLst>
+              <a:ext uri="{28A0092B-C50C-407E-A947-70E740481C1C}">
+                <a14:useLocalDpi xmlns:a14="http://schemas.microsoft.com/office/drawing/2010/main" val="0"/>
+              </a:ext>
+            </a:extLst>
+          </a:blip>
+          <a:srcRect/>
+          <a:stretch>
+            <a:fillRect/>
+          </a:stretch>
+        </p:blipFill>
+        <p:spPr bwMode="auto">
+          <a:xfrm>
+            <a:off x="6467226" y="2750838"/>
+            <a:ext cx="1390878" cy="913616"/>
+          </a:xfrm>
+          <a:prstGeom prst="rect">
+            <a:avLst/>
+          </a:prstGeom>
+          <a:noFill/>
+          <a:extLst>
+            <a:ext uri="{909E8E84-426E-40DD-AFC4-6F175D3DCCD1}">
+              <a14:hiddenFill xmlns:a14="http://schemas.microsoft.com/office/drawing/2010/main">
+                <a:solidFill>
+                  <a:srgbClr val="FFFFFF"/>
+                </a:solidFill>
+              </a14:hiddenFill>
+            </a:ext>
+          </a:extLst>
+        </p:spPr>
+      </p:pic>
+      <p:pic>
+        <p:nvPicPr>
+          <p:cNvPr id="1027" name="Picture 3" descr="C:\Users\Tommy\Desktop\Dissertation Project Materials\Uni-Work-2015\Indicater Placement Reports\Images\Partners\NJW-Partner.jpg"/>
+          <p:cNvPicPr>
+            <a:picLocks noChangeAspect="1" noChangeArrowheads="1"/>
+          </p:cNvPicPr>
+          <p:nvPr/>
+        </p:nvPicPr>
+        <p:blipFill>
+          <a:blip r:embed="rId5">
+            <a:extLst>
+              <a:ext uri="{28A0092B-C50C-407E-A947-70E740481C1C}">
+                <a14:useLocalDpi xmlns:a14="http://schemas.microsoft.com/office/drawing/2010/main" val="0"/>
+              </a:ext>
+            </a:extLst>
+          </a:blip>
+          <a:srcRect/>
+          <a:stretch>
+            <a:fillRect/>
+          </a:stretch>
+        </p:blipFill>
+        <p:spPr bwMode="auto">
+          <a:xfrm>
+            <a:off x="1027614" y="3540971"/>
+            <a:ext cx="1395482" cy="909494"/>
+          </a:xfrm>
+          <a:prstGeom prst="rect">
+            <a:avLst/>
+          </a:prstGeom>
+          <a:noFill/>
+          <a:extLst>
+            <a:ext uri="{909E8E84-426E-40DD-AFC4-6F175D3DCCD1}">
+              <a14:hiddenFill xmlns:a14="http://schemas.microsoft.com/office/drawing/2010/main">
+                <a:solidFill>
+                  <a:srgbClr val="FFFFFF"/>
+                </a:solidFill>
+              </a14:hiddenFill>
+            </a:ext>
+          </a:extLst>
+        </p:spPr>
+      </p:pic>
+      <p:pic>
+        <p:nvPicPr>
+          <p:cNvPr id="1028" name="Picture 4" descr="C:\Users\Tommy\Desktop\Dissertation Project Materials\Uni-Work-2015\Indicater Placement Reports\Images\Partners\PartnerCounterSolutions.gif"/>
+          <p:cNvPicPr>
+            <a:picLocks noChangeAspect="1" noChangeArrowheads="1"/>
+          </p:cNvPicPr>
+          <p:nvPr/>
+        </p:nvPicPr>
+        <p:blipFill>
+          <a:blip r:embed="rId6">
+            <a:extLst>
+              <a:ext uri="{28A0092B-C50C-407E-A947-70E740481C1C}">
+                <a14:useLocalDpi xmlns:a14="http://schemas.microsoft.com/office/drawing/2010/main" val="0"/>
+              </a:ext>
+            </a:extLst>
+          </a:blip>
+          <a:srcRect/>
+          <a:stretch>
+            <a:fillRect/>
+          </a:stretch>
+        </p:blipFill>
+        <p:spPr bwMode="auto">
+          <a:xfrm>
+            <a:off x="1011000" y="4472706"/>
+            <a:ext cx="1437276" cy="944093"/>
+          </a:xfrm>
+          <a:prstGeom prst="rect">
+            <a:avLst/>
+          </a:prstGeom>
+          <a:noFill/>
+          <a:extLst>
+            <a:ext uri="{909E8E84-426E-40DD-AFC4-6F175D3DCCD1}">
+              <a14:hiddenFill xmlns:a14="http://schemas.microsoft.com/office/drawing/2010/main">
+                <a:solidFill>
+                  <a:srgbClr val="FFFFFF"/>
+                </a:solidFill>
+              </a14:hiddenFill>
+            </a:ext>
+          </a:extLst>
+        </p:spPr>
+      </p:pic>
+      <p:pic>
+        <p:nvPicPr>
+          <p:cNvPr id="1029" name="Picture 5" descr="C:\Users\Tommy\Desktop\Dissertation Project Materials\Uni-Work-2015\Indicater Placement Reports\Images\Partners\PartnerZoosch.jpg"/>
+          <p:cNvPicPr>
+            <a:picLocks noChangeAspect="1" noChangeArrowheads="1"/>
+          </p:cNvPicPr>
+          <p:nvPr/>
+        </p:nvPicPr>
+        <p:blipFill>
+          <a:blip r:embed="rId7">
+            <a:extLst>
+              <a:ext uri="{28A0092B-C50C-407E-A947-70E740481C1C}">
+                <a14:useLocalDpi xmlns:a14="http://schemas.microsoft.com/office/drawing/2010/main" val="0"/>
+              </a:ext>
+            </a:extLst>
+          </a:blip>
+          <a:srcRect/>
+          <a:stretch>
+            <a:fillRect/>
+          </a:stretch>
+        </p:blipFill>
+        <p:spPr bwMode="auto">
+          <a:xfrm>
+            <a:off x="2448279" y="4488869"/>
+            <a:ext cx="1412669" cy="927929"/>
+          </a:xfrm>
+          <a:prstGeom prst="rect">
+            <a:avLst/>
+          </a:prstGeom>
+          <a:noFill/>
+          <a:extLst>
+            <a:ext uri="{909E8E84-426E-40DD-AFC4-6F175D3DCCD1}">
+              <a14:hiddenFill xmlns:a14="http://schemas.microsoft.com/office/drawing/2010/main">
+                <a:solidFill>
+                  <a:srgbClr val="FFFFFF"/>
+                </a:solidFill>
+              </a14:hiddenFill>
+            </a:ext>
+          </a:extLst>
+        </p:spPr>
+      </p:pic>
+      <p:pic>
+        <p:nvPicPr>
+          <p:cNvPr id="1030" name="Picture 6" descr="C:\Users\Tommy\Desktop\Dissertation Project Materials\Uni-Work-2015\Indicater Placement Reports\Images\Partners\TheSilentCustomer.jpg"/>
+          <p:cNvPicPr>
+            <a:picLocks noChangeAspect="1" noChangeArrowheads="1"/>
+          </p:cNvPicPr>
+          <p:nvPr/>
+        </p:nvPicPr>
+        <p:blipFill>
+          <a:blip r:embed="rId8">
+            <a:extLst>
+              <a:ext uri="{28A0092B-C50C-407E-A947-70E740481C1C}">
+                <a14:useLocalDpi xmlns:a14="http://schemas.microsoft.com/office/drawing/2010/main" val="0"/>
+              </a:ext>
+            </a:extLst>
+          </a:blip>
+          <a:srcRect/>
+          <a:stretch>
+            <a:fillRect/>
+          </a:stretch>
+        </p:blipFill>
+        <p:spPr bwMode="auto">
+          <a:xfrm>
+            <a:off x="2448280" y="3529367"/>
+            <a:ext cx="1394328" cy="915882"/>
+          </a:xfrm>
+          <a:prstGeom prst="rect">
+            <a:avLst/>
+          </a:prstGeom>
+          <a:noFill/>
+          <a:extLst>
+            <a:ext uri="{909E8E84-426E-40DD-AFC4-6F175D3DCCD1}">
+              <a14:hiddenFill xmlns:a14="http://schemas.microsoft.com/office/drawing/2010/main">
+                <a:solidFill>
+                  <a:srgbClr val="FFFFFF"/>
+                </a:solidFill>
+              </a14:hiddenFill>
+            </a:ext>
+          </a:extLst>
+        </p:spPr>
+      </p:pic>
+      <p:pic>
+        <p:nvPicPr>
+          <p:cNvPr id="1031" name="Picture 7" descr="C:\Users\Tommy\Desktop\Dissertation Project Materials\Uni-Work-2015\Indicater Placement Reports\Images\Partners\Elliott.jpg"/>
+          <p:cNvPicPr>
+            <a:picLocks noChangeAspect="1" noChangeArrowheads="1"/>
+          </p:cNvPicPr>
+          <p:nvPr/>
+        </p:nvPicPr>
+        <p:blipFill>
+          <a:blip r:embed="rId9">
+            <a:extLst>
+              <a:ext uri="{28A0092B-C50C-407E-A947-70E740481C1C}">
+                <a14:useLocalDpi xmlns:a14="http://schemas.microsoft.com/office/drawing/2010/main" val="0"/>
+              </a:ext>
+            </a:extLst>
+          </a:blip>
+          <a:srcRect/>
+          <a:stretch>
+            <a:fillRect/>
+          </a:stretch>
+        </p:blipFill>
+        <p:spPr bwMode="auto">
+          <a:xfrm>
+            <a:off x="3884983" y="4488870"/>
+            <a:ext cx="1399546" cy="912142"/>
+          </a:xfrm>
+          <a:prstGeom prst="rect">
+            <a:avLst/>
+          </a:prstGeom>
+          <a:noFill/>
+          <a:extLst>
+            <a:ext uri="{909E8E84-426E-40DD-AFC4-6F175D3DCCD1}">
+              <a14:hiddenFill xmlns:a14="http://schemas.microsoft.com/office/drawing/2010/main">
+                <a:solidFill>
+                  <a:srgbClr val="FFFFFF"/>
+                </a:solidFill>
+              </a14:hiddenFill>
+            </a:ext>
+          </a:extLst>
+        </p:spPr>
+      </p:pic>
+      <p:pic>
+        <p:nvPicPr>
+          <p:cNvPr id="1032" name="Picture 8" descr="C:\Users\Tommy\Desktop\Dissertation Project Materials\Uni-Work-2015\Indicater Placement Reports\Images\Partners\Centegra.png"/>
+          <p:cNvPicPr>
+            <a:picLocks noChangeAspect="1" noChangeArrowheads="1"/>
+          </p:cNvPicPr>
+          <p:nvPr/>
+        </p:nvPicPr>
+        <p:blipFill>
+          <a:blip r:embed="rId10">
+            <a:extLst>
+              <a:ext uri="{28A0092B-C50C-407E-A947-70E740481C1C}">
+                <a14:useLocalDpi xmlns:a14="http://schemas.microsoft.com/office/drawing/2010/main" val="0"/>
+              </a:ext>
+            </a:extLst>
+          </a:blip>
+          <a:srcRect/>
+          <a:stretch>
+            <a:fillRect/>
+          </a:stretch>
+        </p:blipFill>
+        <p:spPr bwMode="auto">
+          <a:xfrm>
+            <a:off x="3884983" y="3540971"/>
+            <a:ext cx="1395483" cy="909494"/>
+          </a:xfrm>
+          <a:prstGeom prst="rect">
+            <a:avLst/>
+          </a:prstGeom>
+          <a:noFill/>
+          <a:extLst>
+            <a:ext uri="{909E8E84-426E-40DD-AFC4-6F175D3DCCD1}">
+              <a14:hiddenFill xmlns:a14="http://schemas.microsoft.com/office/drawing/2010/main">
+                <a:solidFill>
+                  <a:srgbClr val="FFFFFF"/>
+                </a:solidFill>
+              </a14:hiddenFill>
+            </a:ext>
+          </a:extLst>
+        </p:spPr>
+      </p:pic>
+      <p:pic>
+        <p:nvPicPr>
+          <p:cNvPr id="1033" name="Picture 9" descr="C:\Users\Tommy\Desktop\Dissertation Project Materials\Uni-Work-2015\Indicater Placement Reports\Images\Clients\BasildonClient.jpg"/>
+          <p:cNvPicPr>
+            <a:picLocks noChangeAspect="1" noChangeArrowheads="1"/>
+          </p:cNvPicPr>
+          <p:nvPr/>
+        </p:nvPicPr>
+        <p:blipFill>
+          <a:blip r:embed="rId11">
+            <a:extLst>
+              <a:ext uri="{28A0092B-C50C-407E-A947-70E740481C1C}">
+                <a14:useLocalDpi xmlns:a14="http://schemas.microsoft.com/office/drawing/2010/main" val="0"/>
+              </a:ext>
+            </a:extLst>
+          </a:blip>
+          <a:srcRect/>
+          <a:stretch>
+            <a:fillRect/>
+          </a:stretch>
+        </p:blipFill>
+        <p:spPr bwMode="auto">
+          <a:xfrm>
+            <a:off x="7142039" y="3654911"/>
+            <a:ext cx="1384393" cy="909356"/>
+          </a:xfrm>
+          <a:prstGeom prst="rect">
+            <a:avLst/>
+          </a:prstGeom>
+          <a:noFill/>
+          <a:extLst>
+            <a:ext uri="{909E8E84-426E-40DD-AFC4-6F175D3DCCD1}">
+              <a14:hiddenFill xmlns:a14="http://schemas.microsoft.com/office/drawing/2010/main">
+                <a:solidFill>
+                  <a:srgbClr val="FFFFFF"/>
+                </a:solidFill>
+              </a14:hiddenFill>
+            </a:ext>
+          </a:extLst>
+        </p:spPr>
+      </p:pic>
+      <p:pic>
+        <p:nvPicPr>
+          <p:cNvPr id="1034" name="Picture 10" descr="C:\Users\Tommy\Desktop\Dissertation Project Materials\Uni-Work-2015\Indicater Placement Reports\Images\Clients\Rhubarb.jpg"/>
+          <p:cNvPicPr>
+            <a:picLocks noChangeAspect="1" noChangeArrowheads="1"/>
+          </p:cNvPicPr>
+          <p:nvPr/>
+        </p:nvPicPr>
+        <p:blipFill>
+          <a:blip r:embed="rId12">
+            <a:extLst>
+              <a:ext uri="{28A0092B-C50C-407E-A947-70E740481C1C}">
+                <a14:useLocalDpi xmlns:a14="http://schemas.microsoft.com/office/drawing/2010/main" val="0"/>
+              </a:ext>
+            </a:extLst>
+          </a:blip>
+          <a:srcRect/>
+          <a:stretch>
+            <a:fillRect/>
+          </a:stretch>
+        </p:blipFill>
+        <p:spPr bwMode="auto">
+          <a:xfrm>
+            <a:off x="8526432" y="3664454"/>
+            <a:ext cx="1403294" cy="912141"/>
+          </a:xfrm>
+          <a:prstGeom prst="rect">
+            <a:avLst/>
+          </a:prstGeom>
+          <a:noFill/>
+          <a:extLst>
+            <a:ext uri="{909E8E84-426E-40DD-AFC4-6F175D3DCCD1}">
+              <a14:hiddenFill xmlns:a14="http://schemas.microsoft.com/office/drawing/2010/main">
+                <a:solidFill>
+                  <a:srgbClr val="FFFFFF"/>
+                </a:solidFill>
+              </a14:hiddenFill>
+            </a:ext>
+          </a:extLst>
+        </p:spPr>
+      </p:pic>
+      <p:pic>
+        <p:nvPicPr>
+          <p:cNvPr id="1035" name="Picture 11" descr="C:\Users\Tommy\Desktop\Dissertation Project Materials\Uni-Work-2015\Indicater Placement Reports\Images\Clients\H&amp;JClient.jpg"/>
+          <p:cNvPicPr>
+            <a:picLocks noChangeAspect="1" noChangeArrowheads="1"/>
+          </p:cNvPicPr>
+          <p:nvPr/>
+        </p:nvPicPr>
+        <p:blipFill>
+          <a:blip r:embed="rId13">
+            <a:extLst>
+              <a:ext uri="{28A0092B-C50C-407E-A947-70E740481C1C}">
+                <a14:useLocalDpi xmlns:a14="http://schemas.microsoft.com/office/drawing/2010/main" val="0"/>
+              </a:ext>
+            </a:extLst>
+          </a:blip>
+          <a:srcRect/>
+          <a:stretch>
+            <a:fillRect/>
+          </a:stretch>
+        </p:blipFill>
+        <p:spPr bwMode="auto">
+          <a:xfrm>
+            <a:off x="9242497" y="2741295"/>
+            <a:ext cx="1384393" cy="909356"/>
+          </a:xfrm>
+          <a:prstGeom prst="rect">
+            <a:avLst/>
+          </a:prstGeom>
+          <a:noFill/>
+          <a:extLst>
+            <a:ext uri="{909E8E84-426E-40DD-AFC4-6F175D3DCCD1}">
+              <a14:hiddenFill xmlns:a14="http://schemas.microsoft.com/office/drawing/2010/main">
+                <a:solidFill>
+                  <a:srgbClr val="FFFFFF"/>
+                </a:solidFill>
+              </a14:hiddenFill>
+            </a:ext>
+          </a:extLst>
+        </p:spPr>
+      </p:pic>
+      <p:pic>
+        <p:nvPicPr>
+          <p:cNvPr id="1036" name="Picture 12" descr="C:\Users\Tommy\Desktop\Dissertation Project Materials\Uni-Work-2015\Indicater Placement Reports\Images\Clients\ClientCrownGroup.gif"/>
+          <p:cNvPicPr>
+            <a:picLocks noChangeAspect="1" noChangeArrowheads="1"/>
+          </p:cNvPicPr>
+          <p:nvPr/>
+        </p:nvPicPr>
+        <p:blipFill>
+          <a:blip r:embed="rId14">
+            <a:extLst>
+              <a:ext uri="{28A0092B-C50C-407E-A947-70E740481C1C}">
+                <a14:useLocalDpi xmlns:a14="http://schemas.microsoft.com/office/drawing/2010/main" val="0"/>
+              </a:ext>
+            </a:extLst>
+          </a:blip>
+          <a:srcRect/>
+          <a:stretch>
+            <a:fillRect/>
+          </a:stretch>
+        </p:blipFill>
+        <p:spPr bwMode="auto">
+          <a:xfrm>
+            <a:off x="7858104" y="2747821"/>
+            <a:ext cx="1384393" cy="909356"/>
+          </a:xfrm>
+          <a:prstGeom prst="rect">
+            <a:avLst/>
+          </a:prstGeom>
+          <a:noFill/>
+          <a:extLst>
+            <a:ext uri="{909E8E84-426E-40DD-AFC4-6F175D3DCCD1}">
+              <a14:hiddenFill xmlns:a14="http://schemas.microsoft.com/office/drawing/2010/main">
+                <a:solidFill>
+                  <a:srgbClr val="FFFFFF"/>
+                </a:solidFill>
+              </a14:hiddenFill>
+            </a:ext>
+          </a:extLst>
+        </p:spPr>
+      </p:pic>
+      <p:pic>
+        <p:nvPicPr>
+          <p:cNvPr id="1037" name="Picture 13" descr="C:\Users\Tommy\Desktop\Dissertation Project Materials\Uni-Work-2015\Indicater Placement Reports\Images\Clients\centerplate_logo.jpg"/>
+          <p:cNvPicPr>
+            <a:picLocks noChangeAspect="1" noChangeArrowheads="1"/>
+          </p:cNvPicPr>
+          <p:nvPr/>
+        </p:nvPicPr>
+        <p:blipFill>
+          <a:blip r:embed="rId15">
+            <a:extLst>
+              <a:ext uri="{28A0092B-C50C-407E-A947-70E740481C1C}">
+                <a14:useLocalDpi xmlns:a14="http://schemas.microsoft.com/office/drawing/2010/main" val="0"/>
+              </a:ext>
+            </a:extLst>
+          </a:blip>
+          <a:srcRect/>
+          <a:stretch>
+            <a:fillRect/>
+          </a:stretch>
+        </p:blipFill>
+        <p:spPr bwMode="auto">
+          <a:xfrm>
+            <a:off x="9934693" y="3655422"/>
+            <a:ext cx="1394327" cy="915882"/>
+          </a:xfrm>
+          <a:prstGeom prst="rect">
+            <a:avLst/>
+          </a:prstGeom>
+          <a:noFill/>
+          <a:extLst>
+            <a:ext uri="{909E8E84-426E-40DD-AFC4-6F175D3DCCD1}">
+              <a14:hiddenFill xmlns:a14="http://schemas.microsoft.com/office/drawing/2010/main">
+                <a:solidFill>
+                  <a:srgbClr val="FFFFFF"/>
+                </a:solidFill>
+              </a14:hiddenFill>
+            </a:ext>
+          </a:extLst>
+        </p:spPr>
+      </p:pic>
+      <p:pic>
+        <p:nvPicPr>
+          <p:cNvPr id="1038" name="Picture 14" descr="C:\Users\Tommy\Desktop\Dissertation Project Materials\Uni-Work-2015\Indicater Placement Reports\Images\Clients\ClientPabulum.gif"/>
+          <p:cNvPicPr>
+            <a:picLocks noChangeAspect="1" noChangeArrowheads="1"/>
+          </p:cNvPicPr>
+          <p:nvPr/>
+        </p:nvPicPr>
+        <p:blipFill>
+          <a:blip r:embed="rId16">
+            <a:extLst>
+              <a:ext uri="{28A0092B-C50C-407E-A947-70E740481C1C}">
+                <a14:useLocalDpi xmlns:a14="http://schemas.microsoft.com/office/drawing/2010/main" val="0"/>
+              </a:ext>
+            </a:extLst>
+          </a:blip>
+          <a:srcRect/>
+          <a:stretch>
+            <a:fillRect/>
+          </a:stretch>
+        </p:blipFill>
+        <p:spPr bwMode="auto">
+          <a:xfrm>
+            <a:off x="10626890" y="2734769"/>
+            <a:ext cx="1394327" cy="915882"/>
+          </a:xfrm>
+          <a:prstGeom prst="rect">
+            <a:avLst/>
+          </a:prstGeom>
+          <a:noFill/>
+          <a:extLst>
+            <a:ext uri="{909E8E84-426E-40DD-AFC4-6F175D3DCCD1}">
+              <a14:hiddenFill xmlns:a14="http://schemas.microsoft.com/office/drawing/2010/main">
+                <a:solidFill>
+                  <a:srgbClr val="FFFFFF"/>
+                </a:solidFill>
+              </a14:hiddenFill>
+            </a:ext>
+          </a:extLst>
+        </p:spPr>
+      </p:pic>
+      <p:pic>
+        <p:nvPicPr>
+          <p:cNvPr id="1039" name="Picture 15" descr="C:\Users\Tommy\Desktop\Dissertation Project Materials\Uni-Work-2015\Indicater Placement Reports\Images\Clients\innventure_logo.gif"/>
+          <p:cNvPicPr>
+            <a:picLocks noChangeAspect="1" noChangeArrowheads="1"/>
+          </p:cNvPicPr>
+          <p:nvPr/>
+        </p:nvPicPr>
+        <p:blipFill>
+          <a:blip r:embed="rId17">
+            <a:extLst>
+              <a:ext uri="{28A0092B-C50C-407E-A947-70E740481C1C}">
+                <a14:useLocalDpi xmlns:a14="http://schemas.microsoft.com/office/drawing/2010/main" val="0"/>
+              </a:ext>
+            </a:extLst>
+          </a:blip>
+          <a:srcRect/>
+          <a:stretch>
+            <a:fillRect/>
+          </a:stretch>
+        </p:blipFill>
+        <p:spPr bwMode="auto">
+          <a:xfrm>
+            <a:off x="7824913" y="4578230"/>
+            <a:ext cx="1403037" cy="921603"/>
+          </a:xfrm>
+          <a:prstGeom prst="rect">
+            <a:avLst/>
+          </a:prstGeom>
+          <a:noFill/>
+          <a:extLst>
+            <a:ext uri="{909E8E84-426E-40DD-AFC4-6F175D3DCCD1}">
+              <a14:hiddenFill xmlns:a14="http://schemas.microsoft.com/office/drawing/2010/main">
+                <a:solidFill>
+                  <a:srgbClr val="FFFFFF"/>
+                </a:solidFill>
+              </a14:hiddenFill>
+            </a:ext>
+          </a:extLst>
+        </p:spPr>
+      </p:pic>
+      <p:pic>
+        <p:nvPicPr>
+          <p:cNvPr id="1040" name="Picture 16" descr="C:\Users\Tommy\Desktop\Dissertation Project Materials\Uni-Work-2015\Indicater Placement Reports\Images\Clients\genuine_dining_logo.jpg"/>
+          <p:cNvPicPr>
+            <a:picLocks noChangeAspect="1" noChangeArrowheads="1"/>
+          </p:cNvPicPr>
+          <p:nvPr/>
+        </p:nvPicPr>
+        <p:blipFill>
+          <a:blip r:embed="rId18">
+            <a:extLst>
+              <a:ext uri="{28A0092B-C50C-407E-A947-70E740481C1C}">
+                <a14:useLocalDpi xmlns:a14="http://schemas.microsoft.com/office/drawing/2010/main" val="0"/>
+              </a:ext>
+            </a:extLst>
+          </a:blip>
+          <a:srcRect/>
+          <a:stretch>
+            <a:fillRect/>
+          </a:stretch>
+        </p:blipFill>
+        <p:spPr bwMode="auto">
+          <a:xfrm>
+            <a:off x="9228079" y="4576595"/>
+            <a:ext cx="1381222" cy="907273"/>
+          </a:xfrm>
+          <a:prstGeom prst="rect">
+            <a:avLst/>
+          </a:prstGeom>
+          <a:noFill/>
+          <a:extLst>
+            <a:ext uri="{909E8E84-426E-40DD-AFC4-6F175D3DCCD1}">
+              <a14:hiddenFill xmlns:a14="http://schemas.microsoft.com/office/drawing/2010/main">
+                <a:solidFill>
+                  <a:srgbClr val="FFFFFF"/>
+                </a:solidFill>
+              </a14:hiddenFill>
+            </a:ext>
+          </a:extLst>
+        </p:spPr>
+      </p:pic>
+    </p:spTree>
+    <p:extLst>
+      <p:ext uri="{BB962C8B-B14F-4D97-AF65-F5344CB8AC3E}">
+        <p14:creationId xmlns:p14="http://schemas.microsoft.com/office/powerpoint/2010/main" val="2232936712"/>
+      </p:ext>
+    </p:extLst>
+  </p:cSld>
+  <p:clrMapOvr>
+    <a:masterClrMapping/>
+  </p:clrMapOvr>
+</p:sld>
+</file>
+
+<file path=ppt/slides/slide4.xml><?xml version="1.0" encoding="utf-8"?>
+<p:sld xmlns:a="http://schemas.openxmlformats.org/drawingml/2006/main" xmlns:r="http://schemas.openxmlformats.org/officeDocument/2006/relationships" xmlns:p="http://schemas.openxmlformats.org/presentationml/2006/main">
+  <p:cSld>
+    <p:spTree>
+      <p:nvGrpSpPr>
+        <p:cNvPr id="1" name=""/>
+        <p:cNvGrpSpPr/>
+        <p:nvPr/>
+      </p:nvGrpSpPr>
+      <p:grpSpPr>
+        <a:xfrm>
+          <a:off x="0" y="0"/>
+          <a:ext cx="0" cy="0"/>
+          <a:chOff x="0" y="0"/>
+          <a:chExt cx="0" cy="0"/>
+        </a:xfrm>
+      </p:grpSpPr>
+      <p:sp>
+        <p:nvSpPr>
+          <p:cNvPr id="2" name="Title 1"/>
+          <p:cNvSpPr>
+            <a:spLocks noGrp="1"/>
+          </p:cNvSpPr>
+          <p:nvPr>
+            <p:ph type="ctrTitle"/>
+          </p:nvPr>
+        </p:nvSpPr>
+        <p:spPr>
+          <a:xfrm>
+            <a:off x="592184" y="821993"/>
+            <a:ext cx="7393576" cy="836022"/>
+          </a:xfrm>
+        </p:spPr>
+        <p:txBody>
+          <a:bodyPr>
+            <a:normAutofit/>
+          </a:bodyPr>
+          <a:lstStyle/>
+          <a:p>
+            <a:r>
+              <a:rPr lang="en-GB" sz="4800" dirty="0" smtClean="0"/>
+              <a:t>Job Role and Responsibilities</a:t>
+            </a:r>
+            <a:endParaRPr lang="en-GB" sz="4800" dirty="0"/>
+          </a:p>
+        </p:txBody>
+      </p:sp>
+      <p:pic>
+        <p:nvPicPr>
+          <p:cNvPr id="4" name="Picture 3"/>
+          <p:cNvPicPr/>
+          <p:nvPr/>
+        </p:nvPicPr>
+        <p:blipFill>
+          <a:blip r:embed="rId2">
+            <a:extLst>
+              <a:ext uri="{28A0092B-C50C-407E-A947-70E740481C1C}">
+                <a14:useLocalDpi xmlns:a14="http://schemas.microsoft.com/office/drawing/2010/main" val="0"/>
+              </a:ext>
+            </a:extLst>
+          </a:blip>
+          <a:srcRect/>
+          <a:stretch>
+            <a:fillRect/>
+          </a:stretch>
+        </p:blipFill>
+        <p:spPr bwMode="auto">
+          <a:xfrm>
+            <a:off x="8330267" y="445492"/>
+            <a:ext cx="3405930" cy="1283514"/>
+          </a:xfrm>
+          <a:prstGeom prst="rect">
+            <a:avLst/>
+          </a:prstGeom>
+          <a:noFill/>
+          <a:ln>
+            <a:noFill/>
+          </a:ln>
+        </p:spPr>
+      </p:pic>
+      <p:sp>
+        <p:nvSpPr>
+          <p:cNvPr id="5" name="Rectangle 4"/>
+          <p:cNvSpPr/>
+          <p:nvPr/>
+        </p:nvSpPr>
+        <p:spPr>
+          <a:xfrm>
+            <a:off x="513807" y="445492"/>
+            <a:ext cx="11222392" cy="133350"/>
+          </a:xfrm>
+          <a:prstGeom prst="rect">
+            <a:avLst/>
+          </a:prstGeom>
+          <a:solidFill>
+            <a:srgbClr val="751F28"/>
+          </a:solidFill>
+          <a:ln>
+            <a:solidFill>
+              <a:srgbClr val="751F28"/>
+            </a:solidFill>
+          </a:ln>
+        </p:spPr>
+        <p:style>
+          <a:lnRef idx="2">
+            <a:schemeClr val="accent1">
+              <a:shade val="50000"/>
+            </a:schemeClr>
+          </a:lnRef>
+          <a:fillRef idx="1">
+            <a:schemeClr val="accent1"/>
+          </a:fillRef>
+          <a:effectRef idx="0">
+            <a:schemeClr val="accent1"/>
+          </a:effectRef>
+          <a:fontRef idx="minor">
+            <a:schemeClr val="lt1"/>
+          </a:fontRef>
+        </p:style>
+        <p:txBody>
+          <a:bodyPr rot="0" spcFirstLastPara="0" vert="horz" wrap="square" lIns="91440" tIns="45720" rIns="91440" bIns="45720" numCol="1" spcCol="0" rtlCol="0" fromWordArt="0" anchor="ctr" anchorCtr="0" forceAA="0" compatLnSpc="1">
+            <a:prstTxWarp prst="textNoShape">
+              <a:avLst/>
+            </a:prstTxWarp>
+            <a:noAutofit/>
+          </a:bodyPr>
+          <a:lstStyle/>
+          <a:p>
+            <a:endParaRPr lang="en-GB"/>
+          </a:p>
+        </p:txBody>
+      </p:sp>
+      <p:sp>
+        <p:nvSpPr>
+          <p:cNvPr id="6" name="Rectangle 5"/>
+          <p:cNvSpPr/>
+          <p:nvPr/>
+        </p:nvSpPr>
+        <p:spPr>
+          <a:xfrm>
+            <a:off x="513807" y="6174823"/>
+            <a:ext cx="11222390" cy="133350"/>
+          </a:xfrm>
+          <a:prstGeom prst="rect">
+            <a:avLst/>
+          </a:prstGeom>
+          <a:solidFill>
+            <a:srgbClr val="751F28"/>
+          </a:solidFill>
+          <a:ln>
+            <a:solidFill>
+              <a:srgbClr val="751F28"/>
+            </a:solidFill>
+          </a:ln>
+        </p:spPr>
+        <p:style>
+          <a:lnRef idx="2">
+            <a:schemeClr val="accent1">
+              <a:shade val="50000"/>
+            </a:schemeClr>
+          </a:lnRef>
+          <a:fillRef idx="1">
+            <a:schemeClr val="accent1"/>
+          </a:fillRef>
+          <a:effectRef idx="0">
+            <a:schemeClr val="accent1"/>
+          </a:effectRef>
+          <a:fontRef idx="minor">
+            <a:schemeClr val="lt1"/>
+          </a:fontRef>
+        </p:style>
+        <p:txBody>
+          <a:bodyPr rot="0" spcFirstLastPara="0" vert="horz" wrap="square" lIns="91440" tIns="45720" rIns="91440" bIns="45720" numCol="1" spcCol="0" rtlCol="0" fromWordArt="0" anchor="ctr" anchorCtr="0" forceAA="0" compatLnSpc="1">
+            <a:prstTxWarp prst="textNoShape">
+              <a:avLst/>
+            </a:prstTxWarp>
+            <a:noAutofit/>
+          </a:bodyPr>
+          <a:lstStyle/>
+          <a:p>
+            <a:endParaRPr lang="en-GB"/>
+          </a:p>
+        </p:txBody>
+      </p:sp>
+    </p:spTree>
+    <p:extLst>
+      <p:ext uri="{BB962C8B-B14F-4D97-AF65-F5344CB8AC3E}">
+        <p14:creationId xmlns:p14="http://schemas.microsoft.com/office/powerpoint/2010/main" val="2486189893"/>
+      </p:ext>
+    </p:extLst>
+  </p:cSld>
+  <p:clrMapOvr>
+    <a:masterClrMapping/>
+  </p:clrMapOvr>
+</p:sld>
+</file>
+
+<file path=ppt/slides/slide5.xml><?xml version="1.0" encoding="utf-8"?>
+<p:sld xmlns:a="http://schemas.openxmlformats.org/drawingml/2006/main" xmlns:r="http://schemas.openxmlformats.org/officeDocument/2006/relationships" xmlns:p="http://schemas.openxmlformats.org/presentationml/2006/main">
+  <p:cSld>
+    <p:spTree>
+      <p:nvGrpSpPr>
+        <p:cNvPr id="1" name=""/>
+        <p:cNvGrpSpPr/>
+        <p:nvPr/>
+      </p:nvGrpSpPr>
+      <p:grpSpPr>
+        <a:xfrm>
+          <a:off x="0" y="0"/>
+          <a:ext cx="0" cy="0"/>
+          <a:chOff x="0" y="0"/>
+          <a:chExt cx="0" cy="0"/>
+        </a:xfrm>
+      </p:grpSpPr>
+      <p:sp>
+        <p:nvSpPr>
+          <p:cNvPr id="2" name="Title 1"/>
+          <p:cNvSpPr>
+            <a:spLocks noGrp="1"/>
+          </p:cNvSpPr>
+          <p:nvPr>
+            <p:ph type="ctrTitle"/>
+          </p:nvPr>
+        </p:nvSpPr>
+        <p:spPr>
+          <a:xfrm>
+            <a:off x="2960916" y="778450"/>
+            <a:ext cx="3866605" cy="836022"/>
+          </a:xfrm>
+        </p:spPr>
+        <p:txBody>
+          <a:bodyPr>
+            <a:normAutofit/>
+          </a:bodyPr>
+          <a:lstStyle/>
+          <a:p>
+            <a:r>
+              <a:rPr lang="en-GB" sz="4800" dirty="0" smtClean="0"/>
+              <a:t>Adding Value</a:t>
+            </a:r>
+            <a:endParaRPr lang="en-GB" sz="4800" dirty="0"/>
+          </a:p>
+        </p:txBody>
+      </p:sp>
+      <p:pic>
+        <p:nvPicPr>
+          <p:cNvPr id="4" name="Picture 3"/>
+          <p:cNvPicPr/>
+          <p:nvPr/>
+        </p:nvPicPr>
+        <p:blipFill>
+          <a:blip r:embed="rId2">
+            <a:extLst>
+              <a:ext uri="{28A0092B-C50C-407E-A947-70E740481C1C}">
+                <a14:useLocalDpi xmlns:a14="http://schemas.microsoft.com/office/drawing/2010/main" val="0"/>
+              </a:ext>
+            </a:extLst>
+          </a:blip>
+          <a:srcRect/>
+          <a:stretch>
+            <a:fillRect/>
+          </a:stretch>
+        </p:blipFill>
+        <p:spPr bwMode="auto">
+          <a:xfrm>
+            <a:off x="8330267" y="445492"/>
+            <a:ext cx="3405930" cy="1283514"/>
+          </a:xfrm>
+          <a:prstGeom prst="rect">
+            <a:avLst/>
+          </a:prstGeom>
+          <a:noFill/>
+          <a:ln>
+            <a:noFill/>
+          </a:ln>
+        </p:spPr>
+      </p:pic>
+      <p:sp>
+        <p:nvSpPr>
+          <p:cNvPr id="5" name="Rectangle 4"/>
+          <p:cNvSpPr/>
+          <p:nvPr/>
+        </p:nvSpPr>
+        <p:spPr>
+          <a:xfrm>
+            <a:off x="513807" y="445492"/>
+            <a:ext cx="11222392" cy="133350"/>
+          </a:xfrm>
+          <a:prstGeom prst="rect">
+            <a:avLst/>
+          </a:prstGeom>
+          <a:solidFill>
+            <a:srgbClr val="751F28"/>
+          </a:solidFill>
+          <a:ln>
+            <a:solidFill>
+              <a:srgbClr val="751F28"/>
+            </a:solidFill>
+          </a:ln>
+        </p:spPr>
+        <p:style>
+          <a:lnRef idx="2">
+            <a:schemeClr val="accent1">
+              <a:shade val="50000"/>
+            </a:schemeClr>
+          </a:lnRef>
+          <a:fillRef idx="1">
+            <a:schemeClr val="accent1"/>
+          </a:fillRef>
+          <a:effectRef idx="0">
+            <a:schemeClr val="accent1"/>
+          </a:effectRef>
+          <a:fontRef idx="minor">
+            <a:schemeClr val="lt1"/>
+          </a:fontRef>
+        </p:style>
+        <p:txBody>
+          <a:bodyPr rot="0" spcFirstLastPara="0" vert="horz" wrap="square" lIns="91440" tIns="45720" rIns="91440" bIns="45720" numCol="1" spcCol="0" rtlCol="0" fromWordArt="0" anchor="ctr" anchorCtr="0" forceAA="0" compatLnSpc="1">
+            <a:prstTxWarp prst="textNoShape">
+              <a:avLst/>
+            </a:prstTxWarp>
+            <a:noAutofit/>
+          </a:bodyPr>
+          <a:lstStyle/>
+          <a:p>
+            <a:endParaRPr lang="en-GB"/>
+          </a:p>
+        </p:txBody>
+      </p:sp>
+      <p:sp>
+        <p:nvSpPr>
+          <p:cNvPr id="6" name="Rectangle 5"/>
+          <p:cNvSpPr/>
+          <p:nvPr/>
+        </p:nvSpPr>
+        <p:spPr>
+          <a:xfrm>
+            <a:off x="513807" y="6174823"/>
+            <a:ext cx="11222390" cy="133350"/>
+          </a:xfrm>
+          <a:prstGeom prst="rect">
+            <a:avLst/>
+          </a:prstGeom>
+          <a:solidFill>
+            <a:srgbClr val="751F28"/>
+          </a:solidFill>
+          <a:ln>
+            <a:solidFill>
+              <a:srgbClr val="751F28"/>
+            </a:solidFill>
+          </a:ln>
+        </p:spPr>
+        <p:style>
+          <a:lnRef idx="2">
+            <a:schemeClr val="accent1">
+              <a:shade val="50000"/>
+            </a:schemeClr>
+          </a:lnRef>
+          <a:fillRef idx="1">
+            <a:schemeClr val="accent1"/>
+          </a:fillRef>
+          <a:effectRef idx="0">
+            <a:schemeClr val="accent1"/>
+          </a:effectRef>
+          <a:fontRef idx="minor">
+            <a:schemeClr val="lt1"/>
+          </a:fontRef>
+        </p:style>
+        <p:txBody>
+          <a:bodyPr rot="0" spcFirstLastPara="0" vert="horz" wrap="square" lIns="91440" tIns="45720" rIns="91440" bIns="45720" numCol="1" spcCol="0" rtlCol="0" fromWordArt="0" anchor="ctr" anchorCtr="0" forceAA="0" compatLnSpc="1">
+            <a:prstTxWarp prst="textNoShape">
+              <a:avLst/>
+            </a:prstTxWarp>
+            <a:noAutofit/>
+          </a:bodyPr>
+          <a:lstStyle/>
+          <a:p>
+            <a:endParaRPr lang="en-GB"/>
+          </a:p>
+        </p:txBody>
+      </p:sp>
+    </p:spTree>
+    <p:extLst>
+      <p:ext uri="{BB962C8B-B14F-4D97-AF65-F5344CB8AC3E}">
+        <p14:creationId xmlns:p14="http://schemas.microsoft.com/office/powerpoint/2010/main" val="2154354451"/>
+      </p:ext>
+    </p:extLst>
+  </p:cSld>
+  <p:clrMapOvr>
+    <a:masterClrMapping/>
+  </p:clrMapOvr>
+</p:sld>
+</file>
+
+<file path=ppt/slides/slide6.xml><?xml version="1.0" encoding="utf-8"?>
+<p:sld xmlns:a="http://schemas.openxmlformats.org/drawingml/2006/main" xmlns:r="http://schemas.openxmlformats.org/officeDocument/2006/relationships" xmlns:p="http://schemas.openxmlformats.org/presentationml/2006/main">
+  <p:cSld>
+    <p:spTree>
+      <p:nvGrpSpPr>
+        <p:cNvPr id="1" name=""/>
+        <p:cNvGrpSpPr/>
+        <p:nvPr/>
+      </p:nvGrpSpPr>
+      <p:grpSpPr>
+        <a:xfrm>
+          <a:off x="0" y="0"/>
+          <a:ext cx="0" cy="0"/>
+          <a:chOff x="0" y="0"/>
+          <a:chExt cx="0" cy="0"/>
+        </a:xfrm>
+      </p:grpSpPr>
+      <p:sp>
+        <p:nvSpPr>
+          <p:cNvPr id="2" name="Title 1"/>
+          <p:cNvSpPr>
+            <a:spLocks noGrp="1"/>
+          </p:cNvSpPr>
+          <p:nvPr>
+            <p:ph type="ctrTitle"/>
+          </p:nvPr>
+        </p:nvSpPr>
+        <p:spPr>
+          <a:xfrm>
+            <a:off x="2458122" y="722049"/>
+            <a:ext cx="5184525" cy="885038"/>
+          </a:xfrm>
+        </p:spPr>
+        <p:txBody>
+          <a:bodyPr>
+            <a:normAutofit/>
+          </a:bodyPr>
+          <a:lstStyle/>
+          <a:p>
+            <a:r>
+              <a:rPr lang="en-GB" sz="4800" dirty="0" smtClean="0"/>
+              <a:t>Evaluation</a:t>
+            </a:r>
+            <a:endParaRPr lang="en-GB" dirty="0"/>
+          </a:p>
+        </p:txBody>
+      </p:sp>
+      <p:pic>
+        <p:nvPicPr>
+          <p:cNvPr id="4" name="Picture 3"/>
+          <p:cNvPicPr/>
+          <p:nvPr/>
+        </p:nvPicPr>
+        <p:blipFill>
+          <a:blip r:embed="rId2">
+            <a:extLst>
+              <a:ext uri="{28A0092B-C50C-407E-A947-70E740481C1C}">
+                <a14:useLocalDpi xmlns:a14="http://schemas.microsoft.com/office/drawing/2010/main" val="0"/>
+              </a:ext>
+            </a:extLst>
+          </a:blip>
+          <a:srcRect/>
+          <a:stretch>
+            <a:fillRect/>
+          </a:stretch>
+        </p:blipFill>
+        <p:spPr bwMode="auto">
+          <a:xfrm>
+            <a:off x="8330267" y="445492"/>
+            <a:ext cx="3405930" cy="1283514"/>
+          </a:xfrm>
+          <a:prstGeom prst="rect">
+            <a:avLst/>
+          </a:prstGeom>
+          <a:noFill/>
+          <a:ln>
+            <a:noFill/>
+          </a:ln>
+        </p:spPr>
+      </p:pic>
+      <p:sp>
+        <p:nvSpPr>
+          <p:cNvPr id="5" name="Rectangle 4"/>
+          <p:cNvSpPr/>
+          <p:nvPr/>
+        </p:nvSpPr>
+        <p:spPr>
+          <a:xfrm>
+            <a:off x="513807" y="445492"/>
+            <a:ext cx="11222392" cy="133350"/>
+          </a:xfrm>
+          <a:prstGeom prst="rect">
+            <a:avLst/>
+          </a:prstGeom>
+          <a:solidFill>
+            <a:srgbClr val="751F28"/>
+          </a:solidFill>
+          <a:ln>
+            <a:solidFill>
+              <a:srgbClr val="751F28"/>
+            </a:solidFill>
+          </a:ln>
+        </p:spPr>
+        <p:style>
+          <a:lnRef idx="2">
+            <a:schemeClr val="accent1">
+              <a:shade val="50000"/>
+            </a:schemeClr>
+          </a:lnRef>
+          <a:fillRef idx="1">
+            <a:schemeClr val="accent1"/>
+          </a:fillRef>
+          <a:effectRef idx="0">
+            <a:schemeClr val="accent1"/>
+          </a:effectRef>
+          <a:fontRef idx="minor">
+            <a:schemeClr val="lt1"/>
+          </a:fontRef>
+        </p:style>
+        <p:txBody>
+          <a:bodyPr rot="0" spcFirstLastPara="0" vert="horz" wrap="square" lIns="91440" tIns="45720" rIns="91440" bIns="45720" numCol="1" spcCol="0" rtlCol="0" fromWordArt="0" anchor="ctr" anchorCtr="0" forceAA="0" compatLnSpc="1">
+            <a:prstTxWarp prst="textNoShape">
+              <a:avLst/>
+            </a:prstTxWarp>
+            <a:noAutofit/>
+          </a:bodyPr>
+          <a:lstStyle/>
+          <a:p>
+            <a:endParaRPr lang="en-GB"/>
+          </a:p>
+        </p:txBody>
+      </p:sp>
+      <p:sp>
+        <p:nvSpPr>
+          <p:cNvPr id="6" name="Rectangle 5"/>
+          <p:cNvSpPr/>
+          <p:nvPr/>
+        </p:nvSpPr>
+        <p:spPr>
+          <a:xfrm>
+            <a:off x="513807" y="6174823"/>
+            <a:ext cx="11222390" cy="133350"/>
+          </a:xfrm>
+          <a:prstGeom prst="rect">
+            <a:avLst/>
+          </a:prstGeom>
+          <a:solidFill>
+            <a:srgbClr val="751F28"/>
+          </a:solidFill>
+          <a:ln>
+            <a:solidFill>
+              <a:srgbClr val="751F28"/>
+            </a:solidFill>
+          </a:ln>
+        </p:spPr>
+        <p:style>
+          <a:lnRef idx="2">
+            <a:schemeClr val="accent1">
+              <a:shade val="50000"/>
+            </a:schemeClr>
+          </a:lnRef>
+          <a:fillRef idx="1">
+            <a:schemeClr val="accent1"/>
+          </a:fillRef>
+          <a:effectRef idx="0">
+            <a:schemeClr val="accent1"/>
+          </a:effectRef>
+          <a:fontRef idx="minor">
+            <a:schemeClr val="lt1"/>
+          </a:fontRef>
+        </p:style>
+        <p:txBody>
+          <a:bodyPr rot="0" spcFirstLastPara="0" vert="horz" wrap="square" lIns="91440" tIns="45720" rIns="91440" bIns="45720" numCol="1" spcCol="0" rtlCol="0" fromWordArt="0" anchor="ctr" anchorCtr="0" forceAA="0" compatLnSpc="1">
+            <a:prstTxWarp prst="textNoShape">
+              <a:avLst/>
+            </a:prstTxWarp>
+            <a:noAutofit/>
+          </a:bodyPr>
+          <a:lstStyle/>
+          <a:p>
+            <a:endParaRPr lang="en-GB"/>
+          </a:p>
+        </p:txBody>
+      </p:sp>
+    </p:spTree>
+    <p:extLst>
+      <p:ext uri="{BB962C8B-B14F-4D97-AF65-F5344CB8AC3E}">
+        <p14:creationId xmlns:p14="http://schemas.microsoft.com/office/powerpoint/2010/main" val="2486189893"/>
+      </p:ext>
+    </p:extLst>
+  </p:cSld>
+  <p:clrMapOvr>
+    <a:masterClrMapping/>
+  </p:clrMapOvr>
+</p:sld>
+</file>
+
+<file path=ppt/slides/slide7.xml><?xml version="1.0" encoding="utf-8"?>
+<p:sld xmlns:a="http://schemas.openxmlformats.org/drawingml/2006/main" xmlns:r="http://schemas.openxmlformats.org/officeDocument/2006/relationships" xmlns:p="http://schemas.openxmlformats.org/presentationml/2006/main">
+  <p:cSld>
+    <p:spTree>
+      <p:nvGrpSpPr>
+        <p:cNvPr id="1" name=""/>
+        <p:cNvGrpSpPr/>
+        <p:nvPr/>
+      </p:nvGrpSpPr>
+      <p:grpSpPr>
+        <a:xfrm>
+          <a:off x="0" y="0"/>
+          <a:ext cx="0" cy="0"/>
+          <a:chOff x="0" y="0"/>
+          <a:chExt cx="0" cy="0"/>
+        </a:xfrm>
+      </p:grpSpPr>
+      <p:sp>
+        <p:nvSpPr>
+          <p:cNvPr id="2" name="Title 1"/>
+          <p:cNvSpPr>
+            <a:spLocks noGrp="1"/>
+          </p:cNvSpPr>
+          <p:nvPr>
+            <p:ph type="ctrTitle"/>
+          </p:nvPr>
+        </p:nvSpPr>
+        <p:spPr>
+          <a:xfrm>
+            <a:off x="1088570" y="756883"/>
+            <a:ext cx="6318945" cy="885038"/>
+          </a:xfrm>
+        </p:spPr>
+        <p:txBody>
+          <a:bodyPr>
+            <a:normAutofit/>
+          </a:bodyPr>
+          <a:lstStyle/>
+          <a:p>
+            <a:r>
+              <a:rPr lang="en-GB" sz="4800" dirty="0" smtClean="0"/>
+              <a:t>Positives and Negatives</a:t>
+            </a:r>
+            <a:endParaRPr lang="en-GB" dirty="0"/>
+          </a:p>
+        </p:txBody>
+      </p:sp>
+      <p:pic>
+        <p:nvPicPr>
+          <p:cNvPr id="4" name="Picture 3"/>
+          <p:cNvPicPr/>
+          <p:nvPr/>
+        </p:nvPicPr>
+        <p:blipFill>
+          <a:blip r:embed="rId2">
+            <a:extLst>
+              <a:ext uri="{28A0092B-C50C-407E-A947-70E740481C1C}">
+                <a14:useLocalDpi xmlns:a14="http://schemas.microsoft.com/office/drawing/2010/main" val="0"/>
+              </a:ext>
+            </a:extLst>
+          </a:blip>
+          <a:srcRect/>
+          <a:stretch>
+            <a:fillRect/>
+          </a:stretch>
+        </p:blipFill>
+        <p:spPr bwMode="auto">
+          <a:xfrm>
+            <a:off x="8330267" y="445492"/>
+            <a:ext cx="3405930" cy="1283514"/>
+          </a:xfrm>
+          <a:prstGeom prst="rect">
+            <a:avLst/>
+          </a:prstGeom>
+          <a:noFill/>
+          <a:ln>
+            <a:noFill/>
+          </a:ln>
+        </p:spPr>
+      </p:pic>
+      <p:sp>
+        <p:nvSpPr>
+          <p:cNvPr id="5" name="Rectangle 4"/>
+          <p:cNvSpPr/>
+          <p:nvPr/>
+        </p:nvSpPr>
+        <p:spPr>
+          <a:xfrm>
+            <a:off x="513807" y="445492"/>
+            <a:ext cx="11222392" cy="133350"/>
+          </a:xfrm>
+          <a:prstGeom prst="rect">
+            <a:avLst/>
+          </a:prstGeom>
+          <a:solidFill>
+            <a:srgbClr val="751F28"/>
+          </a:solidFill>
+          <a:ln>
+            <a:solidFill>
+              <a:srgbClr val="751F28"/>
+            </a:solidFill>
+          </a:ln>
+        </p:spPr>
+        <p:style>
+          <a:lnRef idx="2">
+            <a:schemeClr val="accent1">
+              <a:shade val="50000"/>
+            </a:schemeClr>
+          </a:lnRef>
+          <a:fillRef idx="1">
+            <a:schemeClr val="accent1"/>
+          </a:fillRef>
+          <a:effectRef idx="0">
+            <a:schemeClr val="accent1"/>
+          </a:effectRef>
+          <a:fontRef idx="minor">
+            <a:schemeClr val="lt1"/>
+          </a:fontRef>
+        </p:style>
+        <p:txBody>
+          <a:bodyPr rot="0" spcFirstLastPara="0" vert="horz" wrap="square" lIns="91440" tIns="45720" rIns="91440" bIns="45720" numCol="1" spcCol="0" rtlCol="0" fromWordArt="0" anchor="ctr" anchorCtr="0" forceAA="0" compatLnSpc="1">
+            <a:prstTxWarp prst="textNoShape">
+              <a:avLst/>
+            </a:prstTxWarp>
+            <a:noAutofit/>
+          </a:bodyPr>
+          <a:lstStyle/>
+          <a:p>
+            <a:endParaRPr lang="en-GB"/>
+          </a:p>
+        </p:txBody>
+      </p:sp>
+      <p:sp>
+        <p:nvSpPr>
+          <p:cNvPr id="6" name="Rectangle 5"/>
+          <p:cNvSpPr/>
+          <p:nvPr/>
+        </p:nvSpPr>
+        <p:spPr>
+          <a:xfrm>
+            <a:off x="513807" y="6174823"/>
+            <a:ext cx="11222390" cy="133350"/>
+          </a:xfrm>
+          <a:prstGeom prst="rect">
+            <a:avLst/>
+          </a:prstGeom>
+          <a:solidFill>
+            <a:srgbClr val="751F28"/>
+          </a:solidFill>
+          <a:ln>
+            <a:solidFill>
+              <a:srgbClr val="751F28"/>
+            </a:solidFill>
+          </a:ln>
+        </p:spPr>
+        <p:style>
+          <a:lnRef idx="2">
+            <a:schemeClr val="accent1">
+              <a:shade val="50000"/>
+            </a:schemeClr>
+          </a:lnRef>
+          <a:fillRef idx="1">
+            <a:schemeClr val="accent1"/>
+          </a:fillRef>
+          <a:effectRef idx="0">
+            <a:schemeClr val="accent1"/>
+          </a:effectRef>
+          <a:fontRef idx="minor">
+            <a:schemeClr val="lt1"/>
+          </a:fontRef>
+        </p:style>
+        <p:txBody>
+          <a:bodyPr rot="0" spcFirstLastPara="0" vert="horz" wrap="square" lIns="91440" tIns="45720" rIns="91440" bIns="45720" numCol="1" spcCol="0" rtlCol="0" fromWordArt="0" anchor="ctr" anchorCtr="0" forceAA="0" compatLnSpc="1">
+            <a:prstTxWarp prst="textNoShape">
+              <a:avLst/>
+            </a:prstTxWarp>
+            <a:noAutofit/>
+          </a:bodyPr>
+          <a:lstStyle/>
+          <a:p>
+            <a:endParaRPr lang="en-GB"/>
+          </a:p>
+        </p:txBody>
+      </p:sp>
+    </p:spTree>
+    <p:extLst>
+      <p:ext uri="{BB962C8B-B14F-4D97-AF65-F5344CB8AC3E}">
+        <p14:creationId xmlns:p14="http://schemas.microsoft.com/office/powerpoint/2010/main" val="925097700"/>
       </p:ext>
     </p:extLst>
   </p:cSld>
@@ -3325,7 +5614,7 @@
   <a:extraClrSchemeLst/>
   <a:extLst>
     <a:ext uri="{05A4C25C-085E-4340-85A3-A5531E510DB2}">
-      <thm15:themeFamily xmlns:thm15="http://schemas.microsoft.com/office/thememl/2012/main" name="Office Theme" id="{62F939B6-93AF-4DB8-9C6B-D6C7DFDC589F}" vid="{4A3C46E8-61CC-4603-A589-7422A47A8E4A}"/>
+      <thm15:themeFamily xmlns:thm15="http://schemas.microsoft.com/office/thememl/2012/main" xmlns="" name="Office Theme" id="{62F939B6-93AF-4DB8-9C6B-D6C7DFDC589F}" vid="{4A3C46E8-61CC-4603-A589-7422A47A8E4A}"/>
     </a:ext>
   </a:extLst>
 </a:theme>

--- a/Indicater Placement Reports/Indicater Presentation.pptx
+++ b/Indicater Placement Reports/Indicater Presentation.pptx
@@ -2992,11 +2992,7 @@
           <a:p>
             <a:r>
               <a:rPr lang="en-GB" dirty="0" smtClean="0"/>
-              <a:t>Indicater Placement </a:t>
-            </a:r>
-            <a:r>
-              <a:rPr lang="en-GB" dirty="0" smtClean="0"/>
-              <a:t>Presentation 2014-15</a:t>
+              <a:t>Indicater Placement Presentation 2014-15</a:t>
             </a:r>
             <a:endParaRPr lang="en-GB" dirty="0"/>
           </a:p>
@@ -5614,7 +5610,7 @@
   <a:extraClrSchemeLst/>
   <a:extLst>
     <a:ext uri="{05A4C25C-085E-4340-85A3-A5531E510DB2}">
-      <thm15:themeFamily xmlns:thm15="http://schemas.microsoft.com/office/thememl/2012/main" xmlns="" name="Office Theme" id="{62F939B6-93AF-4DB8-9C6B-D6C7DFDC589F}" vid="{4A3C46E8-61CC-4603-A589-7422A47A8E4A}"/>
+      <thm15:themeFamily xmlns="" xmlns:thm15="http://schemas.microsoft.com/office/thememl/2012/main" name="Office Theme" id="{62F939B6-93AF-4DB8-9C6B-D6C7DFDC589F}" vid="{4A3C46E8-61CC-4603-A589-7422A47A8E4A}"/>
     </a:ext>
   </a:extLst>
 </a:theme>

--- a/Indicater Placement Reports/Indicater Presentation.pptx
+++ b/Indicater Placement Reports/Indicater Presentation.pptx
@@ -110,6 +110,22 @@
       </a:defRPr>
     </a:lvl9pPr>
   </p:defaultTextStyle>
+  <p:extLst>
+    <p:ext uri="{EFAFB233-063F-42B5-8137-9DF3F51BA10A}">
+      <p15:sldGuideLst xmlns:p15="http://schemas.microsoft.com/office/powerpoint/2012/main">
+        <p15:guide id="1" orient="horz" pos="2160">
+          <p15:clr>
+            <a:srgbClr val="A4A3A4"/>
+          </p15:clr>
+        </p15:guide>
+        <p15:guide id="2" pos="3840">
+          <p15:clr>
+            <a:srgbClr val="A4A3A4"/>
+          </p15:clr>
+        </p15:guide>
+      </p15:sldGuideLst>
+    </p:ext>
+  </p:extLst>
 </p:presentation>
 </file>
 
@@ -244,7 +260,7 @@
           <a:p>
             <a:fld id="{C2524447-275C-4CDC-8907-91F2919F9572}" type="datetimeFigureOut">
               <a:rPr lang="en-GB" smtClean="0"/>
-              <a:t>07/10/2015</a:t>
+              <a:t>08/10/2015</a:t>
             </a:fld>
             <a:endParaRPr lang="en-GB"/>
           </a:p>
@@ -414,7 +430,7 @@
           <a:p>
             <a:fld id="{C2524447-275C-4CDC-8907-91F2919F9572}" type="datetimeFigureOut">
               <a:rPr lang="en-GB" smtClean="0"/>
-              <a:t>07/10/2015</a:t>
+              <a:t>08/10/2015</a:t>
             </a:fld>
             <a:endParaRPr lang="en-GB"/>
           </a:p>
@@ -594,7 +610,7 @@
           <a:p>
             <a:fld id="{C2524447-275C-4CDC-8907-91F2919F9572}" type="datetimeFigureOut">
               <a:rPr lang="en-GB" smtClean="0"/>
-              <a:t>07/10/2015</a:t>
+              <a:t>08/10/2015</a:t>
             </a:fld>
             <a:endParaRPr lang="en-GB"/>
           </a:p>
@@ -764,7 +780,7 @@
           <a:p>
             <a:fld id="{C2524447-275C-4CDC-8907-91F2919F9572}" type="datetimeFigureOut">
               <a:rPr lang="en-GB" smtClean="0"/>
-              <a:t>07/10/2015</a:t>
+              <a:t>08/10/2015</a:t>
             </a:fld>
             <a:endParaRPr lang="en-GB"/>
           </a:p>
@@ -1010,7 +1026,7 @@
           <a:p>
             <a:fld id="{C2524447-275C-4CDC-8907-91F2919F9572}" type="datetimeFigureOut">
               <a:rPr lang="en-GB" smtClean="0"/>
-              <a:t>07/10/2015</a:t>
+              <a:t>08/10/2015</a:t>
             </a:fld>
             <a:endParaRPr lang="en-GB"/>
           </a:p>
@@ -1242,7 +1258,7 @@
           <a:p>
             <a:fld id="{C2524447-275C-4CDC-8907-91F2919F9572}" type="datetimeFigureOut">
               <a:rPr lang="en-GB" smtClean="0"/>
-              <a:t>07/10/2015</a:t>
+              <a:t>08/10/2015</a:t>
             </a:fld>
             <a:endParaRPr lang="en-GB"/>
           </a:p>
@@ -1609,7 +1625,7 @@
           <a:p>
             <a:fld id="{C2524447-275C-4CDC-8907-91F2919F9572}" type="datetimeFigureOut">
               <a:rPr lang="en-GB" smtClean="0"/>
-              <a:t>07/10/2015</a:t>
+              <a:t>08/10/2015</a:t>
             </a:fld>
             <a:endParaRPr lang="en-GB"/>
           </a:p>
@@ -1727,7 +1743,7 @@
           <a:p>
             <a:fld id="{C2524447-275C-4CDC-8907-91F2919F9572}" type="datetimeFigureOut">
               <a:rPr lang="en-GB" smtClean="0"/>
-              <a:t>07/10/2015</a:t>
+              <a:t>08/10/2015</a:t>
             </a:fld>
             <a:endParaRPr lang="en-GB"/>
           </a:p>
@@ -1822,7 +1838,7 @@
           <a:p>
             <a:fld id="{C2524447-275C-4CDC-8907-91F2919F9572}" type="datetimeFigureOut">
               <a:rPr lang="en-GB" smtClean="0"/>
-              <a:t>07/10/2015</a:t>
+              <a:t>08/10/2015</a:t>
             </a:fld>
             <a:endParaRPr lang="en-GB"/>
           </a:p>
@@ -2099,7 +2115,7 @@
           <a:p>
             <a:fld id="{C2524447-275C-4CDC-8907-91F2919F9572}" type="datetimeFigureOut">
               <a:rPr lang="en-GB" smtClean="0"/>
-              <a:t>07/10/2015</a:t>
+              <a:t>08/10/2015</a:t>
             </a:fld>
             <a:endParaRPr lang="en-GB"/>
           </a:p>
@@ -2352,7 +2368,7 @@
           <a:p>
             <a:fld id="{C2524447-275C-4CDC-8907-91F2919F9572}" type="datetimeFigureOut">
               <a:rPr lang="en-GB" smtClean="0"/>
-              <a:t>07/10/2015</a:t>
+              <a:t>08/10/2015</a:t>
             </a:fld>
             <a:endParaRPr lang="en-GB"/>
           </a:p>
@@ -2565,7 +2581,7 @@
           <a:p>
             <a:fld id="{C2524447-275C-4CDC-8907-91F2919F9572}" type="datetimeFigureOut">
               <a:rPr lang="en-GB" smtClean="0"/>
-              <a:t>07/10/2015</a:t>
+              <a:t>08/10/2015</a:t>
             </a:fld>
             <a:endParaRPr lang="en-GB"/>
           </a:p>
@@ -3340,8 +3356,8 @@
         </p:nvSpPr>
         <p:spPr>
           <a:xfrm>
-            <a:off x="731521" y="3964408"/>
-            <a:ext cx="6940732" cy="2031325"/>
+            <a:off x="575248" y="3776689"/>
+            <a:ext cx="6940732" cy="2270109"/>
           </a:xfrm>
           <a:prstGeom prst="rect">
             <a:avLst/>
@@ -3363,7 +3379,7 @@
               </a:buBlip>
             </a:pPr>
             <a:r>
-              <a:rPr lang="en-GB" sz="1400" dirty="0" smtClean="0"/>
+              <a:rPr lang="en-GB" sz="1600" dirty="0" smtClean="0"/>
               <a:t>Based in Henley</a:t>
             </a:r>
           </a:p>
@@ -3377,7 +3393,7 @@
               </a:buBlip>
             </a:pPr>
             <a:r>
-              <a:rPr lang="en-GB" sz="1400" dirty="0" smtClean="0"/>
+              <a:rPr lang="en-GB" sz="1600" dirty="0" smtClean="0"/>
               <a:t>Established in 2000 by mike day and Lou Wilcock</a:t>
             </a:r>
           </a:p>
@@ -3391,18 +3407,18 @@
               </a:buBlip>
             </a:pPr>
             <a:r>
-              <a:rPr lang="en-GB" sz="1400" dirty="0" smtClean="0"/>
+              <a:rPr lang="en-GB" sz="1600" dirty="0" smtClean="0"/>
               <a:t>Delivers </a:t>
             </a:r>
             <a:r>
-              <a:rPr lang="en-GB" sz="1400" dirty="0"/>
+              <a:rPr lang="en-GB" sz="1600" dirty="0"/>
               <a:t>business management solutions for the hospitality </a:t>
             </a:r>
             <a:r>
-              <a:rPr lang="en-GB" sz="1400" dirty="0" smtClean="0"/>
+              <a:rPr lang="en-GB" sz="1600" dirty="0" smtClean="0"/>
               <a:t>industry</a:t>
             </a:r>
-            <a:endParaRPr lang="en-GB" sz="1400" dirty="0"/>
+            <a:endParaRPr lang="en-GB" sz="1600" dirty="0"/>
           </a:p>
           <a:p>
             <a:pPr marL="285750" indent="-285750">
@@ -3414,7 +3430,7 @@
               </a:buBlip>
             </a:pPr>
             <a:r>
-              <a:rPr lang="en-GB" sz="1400" dirty="0" smtClean="0"/>
+              <a:rPr lang="en-GB" sz="1600" dirty="0" smtClean="0"/>
               <a:t>Provides web-based back of house online management systems for business operations such as payroll, sales, patient dining, online booking</a:t>
             </a:r>
           </a:p>
@@ -3428,7 +3444,7 @@
               </a:buBlip>
             </a:pPr>
             <a:r>
-              <a:rPr lang="en-GB" sz="1400" dirty="0" smtClean="0"/>
+              <a:rPr lang="en-GB" sz="1600" dirty="0" smtClean="0"/>
               <a:t>Offering over 30 modules of critical business management tools</a:t>
             </a:r>
           </a:p>
@@ -3442,7 +3458,7 @@
         </p:nvSpPr>
         <p:spPr>
           <a:xfrm>
-            <a:off x="1402783" y="1598153"/>
+            <a:off x="1203750" y="1385270"/>
             <a:ext cx="1193074" cy="584775"/>
           </a:xfrm>
           <a:prstGeom prst="rect">
@@ -3479,7 +3495,7 @@
         </p:nvSpPr>
         <p:spPr>
           <a:xfrm>
-            <a:off x="3071950" y="1600981"/>
+            <a:off x="4098624" y="1623719"/>
             <a:ext cx="1319347" cy="738664"/>
           </a:xfrm>
           <a:prstGeom prst="rect">
@@ -3532,7 +3548,7 @@
         </p:blipFill>
         <p:spPr bwMode="auto">
           <a:xfrm>
-            <a:off x="1348357" y="2252617"/>
+            <a:off x="1149324" y="2064898"/>
             <a:ext cx="1301926" cy="1711791"/>
           </a:xfrm>
           <a:prstGeom prst="rect">
@@ -3573,7 +3589,7 @@
         </p:blipFill>
         <p:spPr bwMode="auto">
           <a:xfrm>
-            <a:off x="3089372" y="2354101"/>
+            <a:off x="4061620" y="2399345"/>
             <a:ext cx="1301925" cy="1711791"/>
           </a:xfrm>
           <a:prstGeom prst="rect">
@@ -3838,7 +3854,7 @@
         <p:spPr>
           <a:xfrm>
             <a:off x="740231" y="2021839"/>
-            <a:ext cx="5625736" cy="738664"/>
+            <a:ext cx="5625736" cy="830997"/>
           </a:xfrm>
           <a:prstGeom prst="rect">
             <a:avLst/>
@@ -3860,7 +3876,7 @@
               </a:buBlip>
             </a:pPr>
             <a:r>
-              <a:rPr lang="en-GB" sz="1400" dirty="0" smtClean="0"/>
+              <a:rPr lang="en-GB" sz="1600" dirty="0" smtClean="0"/>
               <a:t>Providing software solutions for over 2500+ outlets</a:t>
             </a:r>
           </a:p>
@@ -3874,7 +3890,7 @@
               </a:buBlip>
             </a:pPr>
             <a:r>
-              <a:rPr lang="en-GB" sz="1400" dirty="0" smtClean="0"/>
+              <a:rPr lang="en-GB" sz="1600" dirty="0" smtClean="0"/>
               <a:t>Good business relations in hospitality industry</a:t>
             </a:r>
           </a:p>
@@ -4751,6 +4767,158 @@
           </a:p>
         </p:txBody>
       </p:sp>
+      <p:sp>
+        <p:nvSpPr>
+          <p:cNvPr id="3" name="TextBox 2"/>
+          <p:cNvSpPr txBox="1"/>
+          <p:nvPr/>
+        </p:nvSpPr>
+        <p:spPr>
+          <a:xfrm>
+            <a:off x="750626" y="2296951"/>
+            <a:ext cx="6594498" cy="3000821"/>
+          </a:xfrm>
+          <a:prstGeom prst="rect">
+            <a:avLst/>
+          </a:prstGeom>
+          <a:noFill/>
+        </p:spPr>
+        <p:txBody>
+          <a:bodyPr wrap="none" rtlCol="0">
+            <a:spAutoFit/>
+          </a:bodyPr>
+          <a:lstStyle/>
+          <a:p>
+            <a:pPr marL="285750" indent="-285750">
+              <a:lnSpc>
+                <a:spcPct val="150000"/>
+              </a:lnSpc>
+              <a:buBlip>
+                <a:blip r:embed="rId3"/>
+              </a:buBlip>
+            </a:pPr>
+            <a:r>
+              <a:rPr lang="en-GB" dirty="0" smtClean="0"/>
+              <a:t>Worked within a small team of developers and a project manager</a:t>
+            </a:r>
+          </a:p>
+          <a:p>
+            <a:pPr marL="285750" indent="-285750">
+              <a:lnSpc>
+                <a:spcPct val="150000"/>
+              </a:lnSpc>
+              <a:buBlip>
+                <a:blip r:embed="rId3"/>
+              </a:buBlip>
+            </a:pPr>
+            <a:r>
+              <a:rPr lang="en-GB" dirty="0" smtClean="0"/>
+              <a:t>Main roles involved testing bug fixes and developments</a:t>
+            </a:r>
+          </a:p>
+          <a:p>
+            <a:pPr marL="285750" indent="-285750">
+              <a:lnSpc>
+                <a:spcPct val="150000"/>
+              </a:lnSpc>
+              <a:buBlip>
+                <a:blip r:embed="rId3"/>
+              </a:buBlip>
+            </a:pPr>
+            <a:r>
+              <a:rPr lang="en-GB" dirty="0" smtClean="0"/>
+              <a:t>Monthly software releases</a:t>
+            </a:r>
+          </a:p>
+          <a:p>
+            <a:pPr marL="285750" indent="-285750">
+              <a:lnSpc>
+                <a:spcPct val="150000"/>
+              </a:lnSpc>
+              <a:buBlip>
+                <a:blip r:embed="rId3"/>
+              </a:buBlip>
+            </a:pPr>
+            <a:r>
+              <a:rPr lang="en-GB" dirty="0" smtClean="0"/>
+              <a:t>Develop and manage test and integration environments</a:t>
+            </a:r>
+          </a:p>
+          <a:p>
+            <a:pPr marL="285750" indent="-285750">
+              <a:lnSpc>
+                <a:spcPct val="150000"/>
+              </a:lnSpc>
+              <a:buBlip>
+                <a:blip r:embed="rId3"/>
+              </a:buBlip>
+            </a:pPr>
+            <a:r>
+              <a:rPr lang="en-GB" dirty="0" smtClean="0"/>
+              <a:t>Documenting system status</a:t>
+            </a:r>
+          </a:p>
+          <a:p>
+            <a:pPr marL="285750" indent="-285750">
+              <a:lnSpc>
+                <a:spcPct val="150000"/>
+              </a:lnSpc>
+              <a:buBlip>
+                <a:blip r:embed="rId3"/>
+              </a:buBlip>
+            </a:pPr>
+            <a:r>
+              <a:rPr lang="en-GB" dirty="0" smtClean="0"/>
+              <a:t>Sprint planning and scrum meetings</a:t>
+            </a:r>
+          </a:p>
+          <a:p>
+            <a:pPr marL="285750" indent="-285750">
+              <a:lnSpc>
+                <a:spcPct val="150000"/>
+              </a:lnSpc>
+              <a:buBlip>
+                <a:blip r:embed="rId3"/>
+              </a:buBlip>
+            </a:pPr>
+            <a:r>
+              <a:rPr lang="en-GB" dirty="0" smtClean="0"/>
+              <a:t>System handover to new junior tester</a:t>
+            </a:r>
+            <a:endParaRPr lang="en-GB" dirty="0"/>
+          </a:p>
+        </p:txBody>
+      </p:sp>
+      <p:pic>
+        <p:nvPicPr>
+          <p:cNvPr id="7" name="Picture 6"/>
+          <p:cNvPicPr>
+            <a:picLocks noChangeAspect="1"/>
+          </p:cNvPicPr>
+          <p:nvPr/>
+        </p:nvPicPr>
+        <p:blipFill>
+          <a:blip r:embed="rId4">
+            <a:extLst>
+              <a:ext uri="{28A0092B-C50C-407E-A947-70E740481C1C}">
+                <a14:useLocalDpi xmlns:a14="http://schemas.microsoft.com/office/drawing/2010/main" val="0"/>
+              </a:ext>
+            </a:extLst>
+          </a:blip>
+          <a:stretch>
+            <a:fillRect/>
+          </a:stretch>
+        </p:blipFill>
+        <p:spPr>
+          <a:xfrm>
+            <a:off x="8330267" y="4258039"/>
+            <a:ext cx="2447556" cy="1533239"/>
+          </a:xfrm>
+          <a:prstGeom prst="rect">
+            <a:avLst/>
+          </a:prstGeom>
+        </p:spPr>
+      </p:pic>
     </p:spTree>
     <p:extLst>
       <p:ext uri="{BB962C8B-B14F-4D97-AF65-F5344CB8AC3E}">
@@ -4948,6 +5116,239 @@
           </a:p>
         </p:txBody>
       </p:sp>
+      <p:sp>
+        <p:nvSpPr>
+          <p:cNvPr id="3" name="TextBox 2"/>
+          <p:cNvSpPr txBox="1"/>
+          <p:nvPr/>
+        </p:nvSpPr>
+        <p:spPr>
+          <a:xfrm>
+            <a:off x="908591" y="2240646"/>
+            <a:ext cx="4104650" cy="3093154"/>
+          </a:xfrm>
+          <a:prstGeom prst="rect">
+            <a:avLst/>
+          </a:prstGeom>
+          <a:noFill/>
+        </p:spPr>
+        <p:txBody>
+          <a:bodyPr wrap="none" rtlCol="0">
+            <a:spAutoFit/>
+          </a:bodyPr>
+          <a:lstStyle/>
+          <a:p>
+            <a:r>
+              <a:rPr lang="en-GB" sz="2400" dirty="0" smtClean="0"/>
+              <a:t>Tools Developed</a:t>
+            </a:r>
+          </a:p>
+          <a:p>
+            <a:endParaRPr lang="en-GB" dirty="0" smtClean="0"/>
+          </a:p>
+          <a:p>
+            <a:pPr marL="285750" indent="-285750">
+              <a:lnSpc>
+                <a:spcPct val="150000"/>
+              </a:lnSpc>
+              <a:buBlip>
+                <a:blip r:embed="rId3"/>
+              </a:buBlip>
+            </a:pPr>
+            <a:r>
+              <a:rPr lang="en-GB" dirty="0" smtClean="0"/>
+              <a:t>Deployment program</a:t>
+            </a:r>
+          </a:p>
+          <a:p>
+            <a:pPr marL="285750" indent="-285750">
+              <a:lnSpc>
+                <a:spcPct val="150000"/>
+              </a:lnSpc>
+              <a:buBlip>
+                <a:blip r:embed="rId3"/>
+              </a:buBlip>
+            </a:pPr>
+            <a:r>
+              <a:rPr lang="en-GB" dirty="0" smtClean="0"/>
+              <a:t>Zip program</a:t>
+            </a:r>
+          </a:p>
+          <a:p>
+            <a:pPr marL="285750" indent="-285750">
+              <a:lnSpc>
+                <a:spcPct val="150000"/>
+              </a:lnSpc>
+              <a:buBlip>
+                <a:blip r:embed="rId3"/>
+              </a:buBlip>
+            </a:pPr>
+            <a:r>
+              <a:rPr lang="en-GB" dirty="0" smtClean="0"/>
+              <a:t>File time stamp refresher</a:t>
+            </a:r>
+          </a:p>
+          <a:p>
+            <a:pPr marL="285750" indent="-285750">
+              <a:lnSpc>
+                <a:spcPct val="150000"/>
+              </a:lnSpc>
+              <a:buBlip>
+                <a:blip r:embed="rId3"/>
+              </a:buBlip>
+            </a:pPr>
+            <a:r>
+              <a:rPr lang="en-GB" dirty="0" smtClean="0"/>
+              <a:t>Git commit analyser</a:t>
+            </a:r>
+          </a:p>
+          <a:p>
+            <a:pPr marL="285750" indent="-285750">
+              <a:lnSpc>
+                <a:spcPct val="150000"/>
+              </a:lnSpc>
+              <a:buBlip>
+                <a:blip r:embed="rId3"/>
+              </a:buBlip>
+            </a:pPr>
+            <a:r>
+              <a:rPr lang="en-GB" dirty="0" smtClean="0"/>
+              <a:t>Automated browser testing (Selenium)</a:t>
+            </a:r>
+            <a:endParaRPr lang="en-GB" dirty="0"/>
+          </a:p>
+          <a:p>
+            <a:endParaRPr lang="en-GB" dirty="0"/>
+          </a:p>
+        </p:txBody>
+      </p:sp>
+      <p:sp>
+        <p:nvSpPr>
+          <p:cNvPr id="7" name="TextBox 6"/>
+          <p:cNvSpPr txBox="1"/>
+          <p:nvPr/>
+        </p:nvSpPr>
+        <p:spPr>
+          <a:xfrm>
+            <a:off x="5298971" y="2240646"/>
+            <a:ext cx="6280053" cy="4201150"/>
+          </a:xfrm>
+          <a:prstGeom prst="rect">
+            <a:avLst/>
+          </a:prstGeom>
+          <a:noFill/>
+        </p:spPr>
+        <p:txBody>
+          <a:bodyPr wrap="none" rtlCol="0">
+            <a:spAutoFit/>
+          </a:bodyPr>
+          <a:lstStyle/>
+          <a:p>
+            <a:r>
+              <a:rPr lang="en-GB" sz="2400" dirty="0" smtClean="0"/>
+              <a:t>Company Development</a:t>
+            </a:r>
+          </a:p>
+          <a:p>
+            <a:endParaRPr lang="en-GB" dirty="0"/>
+          </a:p>
+          <a:p>
+            <a:pPr marL="285750" indent="-285750">
+              <a:lnSpc>
+                <a:spcPct val="150000"/>
+              </a:lnSpc>
+              <a:buBlip>
+                <a:blip r:embed="rId3"/>
+              </a:buBlip>
+            </a:pPr>
+            <a:r>
+              <a:rPr lang="en-GB" dirty="0" smtClean="0"/>
+              <a:t>Developed the testing department. Doubled in size</a:t>
+            </a:r>
+          </a:p>
+          <a:p>
+            <a:pPr marL="285750" indent="-285750">
+              <a:lnSpc>
+                <a:spcPct val="150000"/>
+              </a:lnSpc>
+              <a:buBlip>
+                <a:blip r:embed="rId3"/>
+              </a:buBlip>
+            </a:pPr>
+            <a:r>
+              <a:rPr lang="en-GB" dirty="0" smtClean="0"/>
+              <a:t>Re-specified and improved areas of the systems user interface</a:t>
+            </a:r>
+          </a:p>
+          <a:p>
+            <a:pPr marL="285750" indent="-285750">
+              <a:lnSpc>
+                <a:spcPct val="150000"/>
+              </a:lnSpc>
+              <a:buBlip>
+                <a:blip r:embed="rId3"/>
+              </a:buBlip>
+            </a:pPr>
+            <a:r>
+              <a:rPr lang="en-GB" dirty="0" smtClean="0"/>
+              <a:t>Decreased delivery times of developments and fixes</a:t>
+            </a:r>
+          </a:p>
+          <a:p>
+            <a:pPr marL="285750" indent="-285750">
+              <a:lnSpc>
+                <a:spcPct val="150000"/>
+              </a:lnSpc>
+              <a:buBlip>
+                <a:blip r:embed="rId3"/>
+              </a:buBlip>
+            </a:pPr>
+            <a:r>
+              <a:rPr lang="en-GB" dirty="0" smtClean="0"/>
+              <a:t>Automation of manual tasks</a:t>
+            </a:r>
+          </a:p>
+          <a:p>
+            <a:pPr marL="285750" indent="-285750">
+              <a:lnSpc>
+                <a:spcPct val="150000"/>
+              </a:lnSpc>
+              <a:buBlip>
+                <a:blip r:embed="rId3"/>
+              </a:buBlip>
+            </a:pPr>
+            <a:r>
+              <a:rPr lang="en-GB" dirty="0" smtClean="0"/>
+              <a:t>Documentation of system status</a:t>
+            </a:r>
+          </a:p>
+          <a:p>
+            <a:pPr>
+              <a:lnSpc>
+                <a:spcPct val="150000"/>
+              </a:lnSpc>
+            </a:pPr>
+            <a:endParaRPr lang="en-GB" dirty="0" smtClean="0"/>
+          </a:p>
+          <a:p>
+            <a:pPr marL="285750" indent="-285750">
+              <a:lnSpc>
+                <a:spcPct val="150000"/>
+              </a:lnSpc>
+              <a:buBlip>
+                <a:blip r:embed="rId3"/>
+              </a:buBlip>
+            </a:pPr>
+            <a:endParaRPr lang="en-GB" dirty="0" smtClean="0"/>
+          </a:p>
+          <a:p>
+            <a:endParaRPr lang="en-GB" dirty="0" smtClean="0"/>
+          </a:p>
+          <a:p>
+            <a:endParaRPr lang="en-GB" dirty="0"/>
+          </a:p>
+        </p:txBody>
+      </p:sp>
     </p:spTree>
     <p:extLst>
       <p:ext uri="{BB962C8B-B14F-4D97-AF65-F5344CB8AC3E}">
@@ -5145,6 +5546,346 @@
           </a:p>
         </p:txBody>
       </p:sp>
+      <p:sp>
+        <p:nvSpPr>
+          <p:cNvPr id="3" name="TextBox 2"/>
+          <p:cNvSpPr txBox="1"/>
+          <p:nvPr/>
+        </p:nvSpPr>
+        <p:spPr>
+          <a:xfrm>
+            <a:off x="513807" y="1890277"/>
+            <a:ext cx="4062020" cy="4893647"/>
+          </a:xfrm>
+          <a:prstGeom prst="rect">
+            <a:avLst/>
+          </a:prstGeom>
+          <a:noFill/>
+        </p:spPr>
+        <p:txBody>
+          <a:bodyPr wrap="square" rtlCol="0">
+            <a:spAutoFit/>
+          </a:bodyPr>
+          <a:lstStyle/>
+          <a:p>
+            <a:r>
+              <a:rPr lang="en-GB" sz="2400" dirty="0" smtClean="0"/>
+              <a:t>Skills Developed and Learnt</a:t>
+            </a:r>
+          </a:p>
+          <a:p>
+            <a:endParaRPr lang="en-GB" sz="1600" dirty="0"/>
+          </a:p>
+          <a:p>
+            <a:pPr marL="285750" indent="-285750">
+              <a:lnSpc>
+                <a:spcPct val="150000"/>
+              </a:lnSpc>
+              <a:buBlip>
+                <a:blip r:embed="rId3"/>
+              </a:buBlip>
+            </a:pPr>
+            <a:r>
+              <a:rPr lang="en-GB" dirty="0" smtClean="0"/>
+              <a:t>Documentation and analysis skills</a:t>
+            </a:r>
+          </a:p>
+          <a:p>
+            <a:pPr marL="285750" indent="-285750">
+              <a:lnSpc>
+                <a:spcPct val="150000"/>
+              </a:lnSpc>
+              <a:buBlip>
+                <a:blip r:embed="rId3"/>
+              </a:buBlip>
+            </a:pPr>
+            <a:r>
+              <a:rPr lang="en-GB" dirty="0" smtClean="0"/>
+              <a:t>Presentation and communication skills</a:t>
+            </a:r>
+          </a:p>
+          <a:p>
+            <a:pPr marL="285750" indent="-285750">
+              <a:lnSpc>
+                <a:spcPct val="150000"/>
+              </a:lnSpc>
+              <a:buBlip>
+                <a:blip r:embed="rId3"/>
+              </a:buBlip>
+            </a:pPr>
+            <a:r>
+              <a:rPr lang="en-GB" dirty="0" smtClean="0"/>
+              <a:t>MSRS RDL (Report Definition Language)</a:t>
+            </a:r>
+          </a:p>
+          <a:p>
+            <a:pPr marL="285750" indent="-285750">
+              <a:lnSpc>
+                <a:spcPct val="150000"/>
+              </a:lnSpc>
+              <a:buBlip>
+                <a:blip r:embed="rId3"/>
+              </a:buBlip>
+            </a:pPr>
+            <a:r>
+              <a:rPr lang="en-GB" dirty="0" smtClean="0"/>
+              <a:t>C#</a:t>
+            </a:r>
+          </a:p>
+          <a:p>
+            <a:pPr marL="285750" indent="-285750">
+              <a:lnSpc>
+                <a:spcPct val="150000"/>
+              </a:lnSpc>
+              <a:buBlip>
+                <a:blip r:embed="rId3"/>
+              </a:buBlip>
+            </a:pPr>
+            <a:r>
+              <a:rPr lang="en-GB" dirty="0" smtClean="0"/>
+              <a:t>SQL queries, stored procedures and database integrity</a:t>
+            </a:r>
+          </a:p>
+          <a:p>
+            <a:pPr marL="285750" indent="-285750">
+              <a:lnSpc>
+                <a:spcPct val="150000"/>
+              </a:lnSpc>
+              <a:buBlip>
+                <a:blip r:embed="rId3"/>
+              </a:buBlip>
+            </a:pPr>
+            <a:r>
+              <a:rPr lang="en-GB" dirty="0" smtClean="0"/>
+              <a:t>Versions control software (GIT)</a:t>
+            </a:r>
+          </a:p>
+          <a:p>
+            <a:pPr marL="285750" indent="-285750">
+              <a:buBlip>
+                <a:blip r:embed="rId3"/>
+              </a:buBlip>
+            </a:pPr>
+            <a:endParaRPr lang="en-GB" dirty="0" smtClean="0"/>
+          </a:p>
+          <a:p>
+            <a:pPr marL="285750" indent="-285750">
+              <a:buBlip>
+                <a:blip r:embed="rId3"/>
+              </a:buBlip>
+            </a:pPr>
+            <a:endParaRPr lang="en-GB" dirty="0" smtClean="0"/>
+          </a:p>
+          <a:p>
+            <a:pPr marL="285750" indent="-285750">
+              <a:buBlip>
+                <a:blip r:embed="rId3"/>
+              </a:buBlip>
+            </a:pPr>
+            <a:endParaRPr lang="en-GB" dirty="0"/>
+          </a:p>
+        </p:txBody>
+      </p:sp>
+      <p:sp>
+        <p:nvSpPr>
+          <p:cNvPr id="7" name="TextBox 6"/>
+          <p:cNvSpPr txBox="1"/>
+          <p:nvPr/>
+        </p:nvSpPr>
+        <p:spPr>
+          <a:xfrm>
+            <a:off x="7959137" y="1893626"/>
+            <a:ext cx="3929843" cy="3970318"/>
+          </a:xfrm>
+          <a:prstGeom prst="rect">
+            <a:avLst/>
+          </a:prstGeom>
+          <a:noFill/>
+        </p:spPr>
+        <p:txBody>
+          <a:bodyPr wrap="square" rtlCol="0">
+            <a:spAutoFit/>
+          </a:bodyPr>
+          <a:lstStyle/>
+          <a:p>
+            <a:r>
+              <a:rPr lang="en-GB" sz="2400" dirty="0" smtClean="0"/>
+              <a:t>University Modules that Complimented the Job Role</a:t>
+            </a:r>
+          </a:p>
+          <a:p>
+            <a:endParaRPr lang="en-GB" sz="1600" dirty="0"/>
+          </a:p>
+          <a:p>
+            <a:pPr marL="285750" indent="-285750">
+              <a:lnSpc>
+                <a:spcPct val="150000"/>
+              </a:lnSpc>
+              <a:buBlip>
+                <a:blip r:embed="rId3"/>
+              </a:buBlip>
+            </a:pPr>
+            <a:r>
+              <a:rPr lang="en-GB" dirty="0" smtClean="0"/>
+              <a:t>Databases</a:t>
+            </a:r>
+          </a:p>
+          <a:p>
+            <a:pPr marL="285750" indent="-285750">
+              <a:lnSpc>
+                <a:spcPct val="150000"/>
+              </a:lnSpc>
+              <a:buBlip>
+                <a:blip r:embed="rId3"/>
+              </a:buBlip>
+            </a:pPr>
+            <a:r>
+              <a:rPr lang="en-GB" dirty="0" smtClean="0"/>
+              <a:t>Advanced Databases</a:t>
+            </a:r>
+          </a:p>
+          <a:p>
+            <a:pPr marL="285750" indent="-285750">
+              <a:lnSpc>
+                <a:spcPct val="150000"/>
+              </a:lnSpc>
+              <a:buBlip>
+                <a:blip r:embed="rId3"/>
+              </a:buBlip>
+            </a:pPr>
+            <a:r>
+              <a:rPr lang="en-GB" dirty="0" smtClean="0"/>
+              <a:t>HCI (Human Computer Interaction)</a:t>
+            </a:r>
+          </a:p>
+          <a:p>
+            <a:pPr marL="285750" indent="-285750">
+              <a:lnSpc>
+                <a:spcPct val="150000"/>
+              </a:lnSpc>
+              <a:buBlip>
+                <a:blip r:embed="rId3"/>
+              </a:buBlip>
+            </a:pPr>
+            <a:r>
+              <a:rPr lang="en-GB" dirty="0" smtClean="0"/>
+              <a:t>Software engineering</a:t>
+            </a:r>
+          </a:p>
+          <a:p>
+            <a:pPr marL="285750" indent="-285750">
+              <a:lnSpc>
+                <a:spcPct val="150000"/>
+              </a:lnSpc>
+              <a:buBlip>
+                <a:blip r:embed="rId3"/>
+              </a:buBlip>
+            </a:pPr>
+            <a:r>
+              <a:rPr lang="en-GB" dirty="0" smtClean="0"/>
+              <a:t>Project Management</a:t>
+            </a:r>
+          </a:p>
+          <a:p>
+            <a:pPr marL="285750" indent="-285750">
+              <a:lnSpc>
+                <a:spcPct val="150000"/>
+              </a:lnSpc>
+              <a:buBlip>
+                <a:blip r:embed="rId3"/>
+              </a:buBlip>
+            </a:pPr>
+            <a:r>
+              <a:rPr lang="en-GB" dirty="0" smtClean="0"/>
+              <a:t>Programming</a:t>
+            </a:r>
+          </a:p>
+          <a:p>
+            <a:pPr marL="285750" indent="-285750">
+              <a:buBlip>
+                <a:blip r:embed="rId3"/>
+              </a:buBlip>
+            </a:pPr>
+            <a:endParaRPr lang="en-GB" dirty="0"/>
+          </a:p>
+        </p:txBody>
+      </p:sp>
+      <p:sp>
+        <p:nvSpPr>
+          <p:cNvPr id="8" name="TextBox 7"/>
+          <p:cNvSpPr txBox="1"/>
+          <p:nvPr/>
+        </p:nvSpPr>
+        <p:spPr>
+          <a:xfrm>
+            <a:off x="4811824" y="1893626"/>
+            <a:ext cx="2911315" cy="4154984"/>
+          </a:xfrm>
+          <a:prstGeom prst="rect">
+            <a:avLst/>
+          </a:prstGeom>
+          <a:noFill/>
+        </p:spPr>
+        <p:txBody>
+          <a:bodyPr wrap="square" rtlCol="0">
+            <a:spAutoFit/>
+          </a:bodyPr>
+          <a:lstStyle/>
+          <a:p>
+            <a:r>
+              <a:rPr lang="en-GB" sz="2400" dirty="0" smtClean="0"/>
+              <a:t>Business Aspects</a:t>
+            </a:r>
+          </a:p>
+          <a:p>
+            <a:endParaRPr lang="en-GB" sz="2400" dirty="0"/>
+          </a:p>
+          <a:p>
+            <a:pPr marL="342900" indent="-342900">
+              <a:buBlip>
+                <a:blip r:embed="rId3"/>
+              </a:buBlip>
+            </a:pPr>
+            <a:r>
+              <a:rPr lang="en-GB" dirty="0" smtClean="0"/>
+              <a:t>The importance of data protection handling sensitive data</a:t>
+            </a:r>
+          </a:p>
+          <a:p>
+            <a:pPr marL="342900" indent="-342900">
+              <a:buBlip>
+                <a:blip r:embed="rId3"/>
+              </a:buBlip>
+            </a:pPr>
+            <a:r>
+              <a:rPr lang="en-GB" dirty="0" smtClean="0"/>
+              <a:t>Changes to internet product standards and its effect within a business</a:t>
+            </a:r>
+          </a:p>
+          <a:p>
+            <a:pPr marL="342900" indent="-342900">
+              <a:buBlip>
+                <a:blip r:embed="rId3"/>
+              </a:buBlip>
+            </a:pPr>
+            <a:r>
+              <a:rPr lang="en-GB" dirty="0" smtClean="0"/>
+              <a:t>The management and deliverance of software solutions (Software Life Cycle)</a:t>
+            </a:r>
+          </a:p>
+          <a:p>
+            <a:pPr marL="342900" indent="-342900">
+              <a:buBlip>
+                <a:blip r:embed="rId3"/>
+              </a:buBlip>
+            </a:pPr>
+            <a:r>
+              <a:rPr lang="en-GB" dirty="0" smtClean="0"/>
+              <a:t>The realism of software specifications</a:t>
+            </a:r>
+          </a:p>
+        </p:txBody>
+      </p:sp>
     </p:spTree>
     <p:extLst>
       <p:ext uri="{BB962C8B-B14F-4D97-AF65-F5344CB8AC3E}">
@@ -5339,6 +6080,199 @@
           <a:lstStyle/>
           <a:p>
             <a:endParaRPr lang="en-GB"/>
+          </a:p>
+        </p:txBody>
+      </p:sp>
+      <p:sp>
+        <p:nvSpPr>
+          <p:cNvPr id="3" name="TextBox 2"/>
+          <p:cNvSpPr txBox="1"/>
+          <p:nvPr/>
+        </p:nvSpPr>
+        <p:spPr>
+          <a:xfrm>
+            <a:off x="709683" y="1773307"/>
+            <a:ext cx="4995082" cy="4339650"/>
+          </a:xfrm>
+          <a:prstGeom prst="rect">
+            <a:avLst/>
+          </a:prstGeom>
+          <a:noFill/>
+        </p:spPr>
+        <p:txBody>
+          <a:bodyPr wrap="square" rtlCol="0">
+            <a:spAutoFit/>
+          </a:bodyPr>
+          <a:lstStyle/>
+          <a:p>
+            <a:r>
+              <a:rPr lang="en-GB" sz="2400" dirty="0" smtClean="0"/>
+              <a:t>Negatives:</a:t>
+            </a:r>
+          </a:p>
+          <a:p>
+            <a:endParaRPr lang="en-GB" dirty="0"/>
+          </a:p>
+          <a:p>
+            <a:pPr marL="285750" indent="-285750">
+              <a:lnSpc>
+                <a:spcPct val="150000"/>
+              </a:lnSpc>
+              <a:buBlip>
+                <a:blip r:embed="rId3"/>
+              </a:buBlip>
+            </a:pPr>
+            <a:r>
+              <a:rPr lang="en-GB" dirty="0" smtClean="0"/>
+              <a:t>Foundations of the system were built with legacy code classic.asp</a:t>
+            </a:r>
+          </a:p>
+          <a:p>
+            <a:pPr marL="285750" indent="-285750">
+              <a:lnSpc>
+                <a:spcPct val="150000"/>
+              </a:lnSpc>
+              <a:buBlip>
+                <a:blip r:embed="rId3"/>
+              </a:buBlip>
+            </a:pPr>
+            <a:r>
+              <a:rPr lang="en-GB" dirty="0"/>
+              <a:t>H</a:t>
+            </a:r>
+            <a:r>
+              <a:rPr lang="en-GB" dirty="0" smtClean="0"/>
+              <a:t>ard to get another developers time for help at times</a:t>
+            </a:r>
+          </a:p>
+          <a:p>
+            <a:pPr marL="285750" indent="-285750">
+              <a:lnSpc>
+                <a:spcPct val="150000"/>
+              </a:lnSpc>
+              <a:buBlip>
+                <a:blip r:embed="rId3"/>
+              </a:buBlip>
+            </a:pPr>
+            <a:r>
+              <a:rPr lang="en-GB" dirty="0" smtClean="0"/>
+              <a:t>Large turn around in staff just previous before my arrival at </a:t>
+            </a:r>
+            <a:r>
+              <a:rPr lang="en-GB" dirty="0" err="1" smtClean="0"/>
+              <a:t>Indicater</a:t>
+            </a:r>
+            <a:endParaRPr lang="en-GB" dirty="0" smtClean="0"/>
+          </a:p>
+          <a:p>
+            <a:pPr marL="285750" indent="-285750">
+              <a:lnSpc>
+                <a:spcPct val="150000"/>
+              </a:lnSpc>
+              <a:buBlip>
+                <a:blip r:embed="rId3"/>
+              </a:buBlip>
+            </a:pPr>
+            <a:r>
+              <a:rPr lang="en-GB" dirty="0" smtClean="0"/>
+              <a:t>Areas of system documentation was unclear and in some cases non existent</a:t>
+            </a:r>
+          </a:p>
+          <a:p>
+            <a:pPr marL="285750" indent="-285750">
+              <a:buBlip>
+                <a:blip r:embed="rId3"/>
+              </a:buBlip>
+            </a:pPr>
+            <a:endParaRPr lang="en-GB" dirty="0"/>
+          </a:p>
+        </p:txBody>
+      </p:sp>
+      <p:sp>
+        <p:nvSpPr>
+          <p:cNvPr id="7" name="TextBox 6"/>
+          <p:cNvSpPr txBox="1"/>
+          <p:nvPr/>
+        </p:nvSpPr>
+        <p:spPr>
+          <a:xfrm>
+            <a:off x="5704765" y="1773307"/>
+            <a:ext cx="5840364" cy="3970318"/>
+          </a:xfrm>
+          <a:prstGeom prst="rect">
+            <a:avLst/>
+          </a:prstGeom>
+          <a:noFill/>
+        </p:spPr>
+        <p:txBody>
+          <a:bodyPr wrap="square" rtlCol="0">
+            <a:spAutoFit/>
+          </a:bodyPr>
+          <a:lstStyle/>
+          <a:p>
+            <a:r>
+              <a:rPr lang="en-GB" sz="2400" dirty="0" smtClean="0"/>
+              <a:t>Positives:</a:t>
+            </a:r>
+          </a:p>
+          <a:p>
+            <a:endParaRPr lang="en-GB" sz="1200" dirty="0" smtClean="0"/>
+          </a:p>
+          <a:p>
+            <a:pPr marL="285750" indent="-285750">
+              <a:lnSpc>
+                <a:spcPct val="150000"/>
+              </a:lnSpc>
+              <a:buBlip>
+                <a:blip r:embed="rId3"/>
+              </a:buBlip>
+            </a:pPr>
+            <a:r>
+              <a:rPr lang="en-GB" dirty="0" smtClean="0"/>
+              <a:t>High level or permissions granted access to important areas of the system</a:t>
+            </a:r>
+          </a:p>
+          <a:p>
+            <a:pPr marL="285750" indent="-285750">
+              <a:lnSpc>
+                <a:spcPct val="150000"/>
+              </a:lnSpc>
+              <a:buBlip>
+                <a:blip r:embed="rId3"/>
+              </a:buBlip>
+            </a:pPr>
+            <a:r>
+              <a:rPr lang="en-GB" dirty="0" smtClean="0"/>
+              <a:t>Included important meetings and discussions. Encouraged to voice opinions </a:t>
+            </a:r>
+          </a:p>
+          <a:p>
+            <a:pPr marL="285750" indent="-285750">
+              <a:lnSpc>
+                <a:spcPct val="150000"/>
+              </a:lnSpc>
+              <a:buBlip>
+                <a:blip r:embed="rId3"/>
+              </a:buBlip>
+            </a:pPr>
+            <a:r>
+              <a:rPr lang="en-GB" dirty="0" smtClean="0"/>
+              <a:t>Working in a small team provided exposure to many areas of the system.</a:t>
+            </a:r>
+          </a:p>
+          <a:p>
+            <a:pPr marL="285750" indent="-285750">
+              <a:lnSpc>
+                <a:spcPct val="150000"/>
+              </a:lnSpc>
+              <a:buBlip>
+                <a:blip r:embed="rId3"/>
+              </a:buBlip>
+            </a:pPr>
+            <a:r>
+              <a:rPr lang="en-GB" dirty="0" smtClean="0"/>
+              <a:t>Working with technologies and software that has further developed my technical skills and learnt new ones.</a:t>
+            </a:r>
           </a:p>
         </p:txBody>
       </p:sp>
@@ -5610,7 +6544,7 @@
   <a:extraClrSchemeLst/>
   <a:extLst>
     <a:ext uri="{05A4C25C-085E-4340-85A3-A5531E510DB2}">
-      <thm15:themeFamily xmlns="" xmlns:thm15="http://schemas.microsoft.com/office/thememl/2012/main" name="Office Theme" id="{62F939B6-93AF-4DB8-9C6B-D6C7DFDC589F}" vid="{4A3C46E8-61CC-4603-A589-7422A47A8E4A}"/>
+      <thm15:themeFamily xmlns:thm15="http://schemas.microsoft.com/office/thememl/2012/main" name="Office Theme" id="{62F939B6-93AF-4DB8-9C6B-D6C7DFDC589F}" vid="{4A3C46E8-61CC-4603-A589-7422A47A8E4A}"/>
     </a:ext>
   </a:extLst>
 </a:theme>
